--- a/Fase 3/Evidencias Grupales/Presentación Final del proyecto (Español).pptx
+++ b/Fase 3/Evidencias Grupales/Presentación Final del proyecto (Español).pptx
@@ -4,6 +4,9 @@
   <p:sldMasterIdLst>
     <p:sldMasterId id="2147483648" r:id="rId1"/>
   </p:sldMasterIdLst>
+  <p:notesMasterIdLst>
+    <p:notesMasterId r:id="rId20"/>
+  </p:notesMasterIdLst>
   <p:sldIdLst>
     <p:sldId id="256" r:id="rId6"/>
     <p:sldId id="257" r:id="rId7"/>
@@ -34,19 +37,15 @@
     </p:embeddedFont>
     <p:embeddedFont>
       <p:font typeface="Proxima Nova Bold" charset="1" panose="02000506030000020004"/>
-      <p:regular r:id="rId20"/>
+      <p:regular r:id="rId23"/>
     </p:embeddedFont>
     <p:embeddedFont>
       <p:font typeface="Open Sans Bold" charset="1" panose="020B0806030504020204"/>
-      <p:regular r:id="rId21"/>
+      <p:regular r:id="rId26"/>
     </p:embeddedFont>
     <p:embeddedFont>
       <p:font typeface="Open Sans" charset="1" panose="020B0606030504020204"/>
-      <p:regular r:id="rId22"/>
-    </p:embeddedFont>
-    <p:embeddedFont>
-      <p:font typeface="IBM Plex Sans" charset="1" panose="020B0503050203000203"/>
-      <p:regular r:id="rId23"/>
+      <p:regular r:id="rId27"/>
     </p:embeddedFont>
   </p:embeddedFontLst>
   <p:defaultTextStyle>
@@ -145,6 +144,1018 @@
     </a:lvl9pPr>
   </p:defaultTextStyle>
 </p:presentation>
+</file>
+
+<file path=ppt/notesMasters/notesMaster1.xml><?xml version="1.0" encoding="utf-8"?>
+<p:notesMaster xmlns:a="http://schemas.openxmlformats.org/drawingml/2006/main" xmlns:r="http://schemas.openxmlformats.org/officeDocument/2006/relationships" xmlns:p="http://schemas.openxmlformats.org/presentationml/2006/main">
+  <p:cSld>
+    <p:bg>
+      <p:bgRef idx="1001">
+        <a:schemeClr val="bg1"/>
+      </p:bgRef>
+    </p:bg>
+    <p:spTree>
+      <p:nvGrpSpPr>
+        <p:cNvPr id="1" name=""/>
+        <p:cNvGrpSpPr/>
+        <p:nvPr/>
+      </p:nvGrpSpPr>
+      <p:grpSpPr>
+        <a:xfrm>
+          <a:off x="0" y="0"/>
+          <a:ext cx="0" cy="0"/>
+          <a:chOff x="0" y="0"/>
+          <a:chExt cx="0" cy="0"/>
+        </a:xfrm>
+      </p:grpSpPr>
+      <p:sp>
+        <p:nvSpPr>
+          <p:cNvPr id="2" name="Header Placeholder 1"/>
+          <p:cNvSpPr>
+            <a:spLocks noGrp="1"/>
+          </p:cNvSpPr>
+          <p:nvPr>
+            <p:ph type="hdr" sz="quarter"/>
+          </p:nvPr>
+        </p:nvSpPr>
+        <p:spPr>
+          <a:xfrm>
+            <a:off x="0" y="0"/>
+            <a:ext cx="3962400" cy="342900"/>
+          </a:xfrm>
+          <a:prstGeom prst="rect">
+            <a:avLst/>
+          </a:prstGeom>
+        </p:spPr>
+        <p:txBody>
+          <a:bodyPr vert="horz" lIns="91440" tIns="45720" rIns="91440" bIns="45720" rtlCol="0"/>
+          <a:lstStyle>
+            <a:lvl1pPr algn="l">
+              <a:defRPr sz="1200"/>
+            </a:lvl1pPr>
+          </a:lstStyle>
+          <a:p>
+            <a:endParaRPr lang="cs-CZ"/>
+          </a:p>
+        </p:txBody>
+      </p:sp>
+      <p:sp>
+        <p:nvSpPr>
+          <p:cNvPr id="3" name="Date Placeholder 2"/>
+          <p:cNvSpPr>
+            <a:spLocks noGrp="1"/>
+          </p:cNvSpPr>
+          <p:nvPr>
+            <p:ph type="dt" idx="1"/>
+          </p:nvPr>
+        </p:nvSpPr>
+        <p:spPr>
+          <a:xfrm>
+            <a:off x="5180013" y="0"/>
+            <a:ext cx="3962400" cy="342900"/>
+          </a:xfrm>
+          <a:prstGeom prst="rect">
+            <a:avLst/>
+          </a:prstGeom>
+        </p:spPr>
+        <p:txBody>
+          <a:bodyPr vert="horz" lIns="91440" tIns="45720" rIns="91440" bIns="45720" rtlCol="0"/>
+          <a:lstStyle>
+            <a:lvl1pPr algn="r">
+              <a:defRPr sz="1200"/>
+            </a:lvl1pPr>
+          </a:lstStyle>
+          <a:p>
+            <a:fld id="{B7268E1E-0E44-426D-905E-8AD9B19D2182}" type="datetimeFigureOut">
+              <a:rPr lang="cs-CZ" smtClean="0"/>
+              <a:t>1.7.2013</a:t>
+            </a:fld>
+            <a:endParaRPr lang="cs-CZ"/>
+          </a:p>
+        </p:txBody>
+      </p:sp>
+      <p:sp>
+        <p:nvSpPr>
+          <p:cNvPr id="4" name="Slide Image Placeholder 3"/>
+          <p:cNvSpPr>
+            <a:spLocks noGrp="1" noRot="1" noChangeAspect="1"/>
+          </p:cNvSpPr>
+          <p:nvPr>
+            <p:ph type="sldImg" idx="2"/>
+          </p:nvPr>
+        </p:nvSpPr>
+        <p:spPr>
+          <a:xfrm>
+            <a:off x="2857500" y="512763"/>
+            <a:ext cx="3429000" cy="2566987"/>
+          </a:xfrm>
+          <a:prstGeom prst="rect">
+            <a:avLst/>
+          </a:prstGeom>
+          <a:noFill/>
+          <a:ln w="12700">
+            <a:solidFill>
+              <a:prstClr val="black"/>
+            </a:solidFill>
+          </a:ln>
+        </p:spPr>
+        <p:txBody>
+          <a:bodyPr vert="horz" lIns="91440" tIns="45720" rIns="91440" bIns="45720" rtlCol="0" anchor="ctr"/>
+          <a:lstStyle/>
+          <a:p>
+            <a:endParaRPr lang="cs-CZ"/>
+          </a:p>
+        </p:txBody>
+      </p:sp>
+      <p:sp>
+        <p:nvSpPr>
+          <p:cNvPr id="5" name="Notes Placeholder 4"/>
+          <p:cNvSpPr>
+            <a:spLocks noGrp="1"/>
+          </p:cNvSpPr>
+          <p:nvPr>
+            <p:ph type="body" sz="quarter" idx="3"/>
+          </p:nvPr>
+        </p:nvSpPr>
+        <p:spPr>
+          <a:xfrm>
+            <a:off x="914400" y="3251200"/>
+            <a:ext cx="7315200" cy="3081338"/>
+          </a:xfrm>
+          <a:prstGeom prst="rect">
+            <a:avLst/>
+          </a:prstGeom>
+        </p:spPr>
+        <p:txBody>
+          <a:bodyPr vert="horz" lIns="91440" tIns="45720" rIns="91440" bIns="45720" rtlCol="0"/>
+          <a:lstStyle/>
+          <a:p>
+            <a:pPr lvl="0"/>
+            <a:r>
+              <a:rPr lang="en-US" smtClean="0"/>
+              <a:t>Click to edit Master text styles</a:t>
+            </a:r>
+          </a:p>
+          <a:p>
+            <a:pPr lvl="1"/>
+            <a:r>
+              <a:rPr lang="en-US" smtClean="0"/>
+              <a:t>Second level</a:t>
+            </a:r>
+          </a:p>
+          <a:p>
+            <a:pPr lvl="2"/>
+            <a:r>
+              <a:rPr lang="en-US" smtClean="0"/>
+              <a:t>Third level</a:t>
+            </a:r>
+          </a:p>
+          <a:p>
+            <a:pPr lvl="3"/>
+            <a:r>
+              <a:rPr lang="en-US" smtClean="0"/>
+              <a:t>Fourth level</a:t>
+            </a:r>
+          </a:p>
+          <a:p>
+            <a:pPr lvl="4"/>
+            <a:r>
+              <a:rPr lang="en-US" smtClean="0"/>
+              <a:t>Fifth level</a:t>
+            </a:r>
+            <a:endParaRPr lang="cs-CZ"/>
+          </a:p>
+        </p:txBody>
+      </p:sp>
+      <p:sp>
+        <p:nvSpPr>
+          <p:cNvPr id="6" name="Footer Placeholder 5"/>
+          <p:cNvSpPr>
+            <a:spLocks noGrp="1"/>
+          </p:cNvSpPr>
+          <p:nvPr>
+            <p:ph type="ftr" sz="quarter" idx="4"/>
+          </p:nvPr>
+        </p:nvSpPr>
+        <p:spPr>
+          <a:xfrm>
+            <a:off x="0" y="6502400"/>
+            <a:ext cx="3962400" cy="341313"/>
+          </a:xfrm>
+          <a:prstGeom prst="rect">
+            <a:avLst/>
+          </a:prstGeom>
+        </p:spPr>
+        <p:txBody>
+          <a:bodyPr vert="horz" lIns="91440" tIns="45720" rIns="91440" bIns="45720" rtlCol="0" anchor="b"/>
+          <a:lstStyle>
+            <a:lvl1pPr algn="l">
+              <a:defRPr sz="1200"/>
+            </a:lvl1pPr>
+          </a:lstStyle>
+          <a:p>
+            <a:endParaRPr lang="cs-CZ"/>
+          </a:p>
+        </p:txBody>
+      </p:sp>
+      <p:sp>
+        <p:nvSpPr>
+          <p:cNvPr id="7" name="Slide Number Placeholder 6"/>
+          <p:cNvSpPr>
+            <a:spLocks noGrp="1"/>
+          </p:cNvSpPr>
+          <p:nvPr>
+            <p:ph type="sldNum" sz="quarter" idx="5"/>
+          </p:nvPr>
+        </p:nvSpPr>
+        <p:spPr>
+          <a:xfrm>
+            <a:off x="5180013" y="6502400"/>
+            <a:ext cx="3962400" cy="341313"/>
+          </a:xfrm>
+          <a:prstGeom prst="rect">
+            <a:avLst/>
+          </a:prstGeom>
+        </p:spPr>
+        <p:txBody>
+          <a:bodyPr vert="horz" lIns="91440" tIns="45720" rIns="91440" bIns="45720" rtlCol="0" anchor="b"/>
+          <a:lstStyle>
+            <a:lvl1pPr algn="r">
+              <a:defRPr sz="1200"/>
+            </a:lvl1pPr>
+          </a:lstStyle>
+          <a:p>
+            <a:fld id="{871B2431-D351-4C6E-A3CF-9DFAC0E3E050}" type="slidenum">
+              <a:rPr lang="cs-CZ" smtClean="0"/>
+              <a:t>‹#›</a:t>
+            </a:fld>
+            <a:endParaRPr lang="cs-CZ"/>
+          </a:p>
+        </p:txBody>
+      </p:sp>
+    </p:spTree>
+    <p:extLst>
+      <p:ext uri="{BB962C8B-B14F-4D97-AF65-F5344CB8AC3E}">
+        <p14:creationId xmlns:p14="http://schemas.microsoft.com/office/powerpoint/2010/main" val="1798889115"/>
+      </p:ext>
+    </p:extLst>
+  </p:cSld>
+  <p:clrMap bg1="lt1" tx1="dk1" bg2="lt2" tx2="dk2" accent1="accent1" accent2="accent2" accent3="accent3" accent4="accent4" accent5="accent5" accent6="accent6" hlink="hlink" folHlink="folHlink"/>
+  <p:notesStyle>
+    <a:lvl1pPr marL="0" algn="l" defTabSz="914400" rtl="0" eaLnBrk="1" latinLnBrk="0" hangingPunct="1">
+      <a:defRPr sz="1200" kern="1200">
+        <a:solidFill>
+          <a:schemeClr val="tx1"/>
+        </a:solidFill>
+        <a:latin typeface="+mn-lt"/>
+        <a:ea typeface="+mn-ea"/>
+        <a:cs typeface="+mn-cs"/>
+      </a:defRPr>
+    </a:lvl1pPr>
+    <a:lvl2pPr marL="457200" algn="l" defTabSz="914400" rtl="0" eaLnBrk="1" latinLnBrk="0" hangingPunct="1">
+      <a:defRPr sz="1200" kern="1200">
+        <a:solidFill>
+          <a:schemeClr val="tx1"/>
+        </a:solidFill>
+        <a:latin typeface="+mn-lt"/>
+        <a:ea typeface="+mn-ea"/>
+        <a:cs typeface="+mn-cs"/>
+      </a:defRPr>
+    </a:lvl2pPr>
+    <a:lvl3pPr marL="914400" algn="l" defTabSz="914400" rtl="0" eaLnBrk="1" latinLnBrk="0" hangingPunct="1">
+      <a:defRPr sz="1200" kern="1200">
+        <a:solidFill>
+          <a:schemeClr val="tx1"/>
+        </a:solidFill>
+        <a:latin typeface="+mn-lt"/>
+        <a:ea typeface="+mn-ea"/>
+        <a:cs typeface="+mn-cs"/>
+      </a:defRPr>
+    </a:lvl3pPr>
+    <a:lvl4pPr marL="1371600" algn="l" defTabSz="914400" rtl="0" eaLnBrk="1" latinLnBrk="0" hangingPunct="1">
+      <a:defRPr sz="1200" kern="1200">
+        <a:solidFill>
+          <a:schemeClr val="tx1"/>
+        </a:solidFill>
+        <a:latin typeface="+mn-lt"/>
+        <a:ea typeface="+mn-ea"/>
+        <a:cs typeface="+mn-cs"/>
+      </a:defRPr>
+    </a:lvl4pPr>
+    <a:lvl5pPr marL="1828800" algn="l" defTabSz="914400" rtl="0" eaLnBrk="1" latinLnBrk="0" hangingPunct="1">
+      <a:defRPr sz="1200" kern="1200">
+        <a:solidFill>
+          <a:schemeClr val="tx1"/>
+        </a:solidFill>
+        <a:latin typeface="+mn-lt"/>
+        <a:ea typeface="+mn-ea"/>
+        <a:cs typeface="+mn-cs"/>
+      </a:defRPr>
+    </a:lvl5pPr>
+    <a:lvl6pPr marL="2286000" algn="l" defTabSz="914400" rtl="0" eaLnBrk="1" latinLnBrk="0" hangingPunct="1">
+      <a:defRPr sz="1200" kern="1200">
+        <a:solidFill>
+          <a:schemeClr val="tx1"/>
+        </a:solidFill>
+        <a:latin typeface="+mn-lt"/>
+        <a:ea typeface="+mn-ea"/>
+        <a:cs typeface="+mn-cs"/>
+      </a:defRPr>
+    </a:lvl6pPr>
+    <a:lvl7pPr marL="2743200" algn="l" defTabSz="914400" rtl="0" eaLnBrk="1" latinLnBrk="0" hangingPunct="1">
+      <a:defRPr sz="1200" kern="1200">
+        <a:solidFill>
+          <a:schemeClr val="tx1"/>
+        </a:solidFill>
+        <a:latin typeface="+mn-lt"/>
+        <a:ea typeface="+mn-ea"/>
+        <a:cs typeface="+mn-cs"/>
+      </a:defRPr>
+    </a:lvl7pPr>
+    <a:lvl8pPr marL="3200400" algn="l" defTabSz="914400" rtl="0" eaLnBrk="1" latinLnBrk="0" hangingPunct="1">
+      <a:defRPr sz="1200" kern="1200">
+        <a:solidFill>
+          <a:schemeClr val="tx1"/>
+        </a:solidFill>
+        <a:latin typeface="+mn-lt"/>
+        <a:ea typeface="+mn-ea"/>
+        <a:cs typeface="+mn-cs"/>
+      </a:defRPr>
+    </a:lvl8pPr>
+    <a:lvl9pPr marL="3657600" algn="l" defTabSz="914400" rtl="0" eaLnBrk="1" latinLnBrk="0" hangingPunct="1">
+      <a:defRPr sz="1200" kern="1200">
+        <a:solidFill>
+          <a:schemeClr val="tx1"/>
+        </a:solidFill>
+        <a:latin typeface="+mn-lt"/>
+        <a:ea typeface="+mn-ea"/>
+        <a:cs typeface="+mn-cs"/>
+      </a:defRPr>
+    </a:lvl9pPr>
+  </p:notesStyle>
+</p:notesMaster>
+</file>
+
+<file path=ppt/notesSlides/notesSlide1.xml><?xml version="1.0" encoding="utf-8"?>
+<p:notes xmlns:p="http://schemas.openxmlformats.org/presentationml/2006/main" xmlns:a="http://schemas.openxmlformats.org/drawingml/2006/main">
+  <p:cSld>
+    <p:spTree xmlns:r="http://schemas.openxmlformats.org/officeDocument/2006/relationships">
+      <p:nvGrpSpPr>
+        <p:cNvPr id="1" name=""/>
+        <p:cNvGrpSpPr/>
+        <p:nvPr/>
+      </p:nvGrpSpPr>
+      <p:grpSpPr>
+        <a:xfrm>
+          <a:off x="0" y="0"/>
+          <a:ext cx="0" cy="0"/>
+          <a:chOff x="0" y="0"/>
+          <a:chExt cx="0" cy="0"/>
+        </a:xfrm>
+      </p:grpSpPr>
+      <p:sp>
+        <p:nvSpPr>
+          <p:cNvPr id="2" name="Header Placeholder 1"/>
+          <p:cNvSpPr>
+            <a:spLocks noGrp="1"/>
+          </p:cNvSpPr>
+          <p:nvPr>
+            <p:ph type="hdr" sz="quarter"/>
+          </p:nvPr>
+        </p:nvSpPr>
+        <p:spPr>
+          <a:xfrm>
+            <a:off x="0" y="0"/>
+            <a:ext cx="3962400" cy="342900"/>
+          </a:xfrm>
+          <a:prstGeom prst="rect">
+            <a:avLst/>
+          </a:prstGeom>
+        </p:spPr>
+        <p:txBody>
+          <a:bodyPr vert="horz" lIns="91440" tIns="45720" rIns="91440" bIns="45720" rtlCol="0"/>
+          <a:lstStyle>
+            <a:lvl1pPr algn="l">
+              <a:defRPr sz="1200"/>
+            </a:lvl1pPr>
+          </a:lstStyle>
+          <a:p/>
+        </p:txBody>
+      </p:sp>
+      <p:sp>
+        <p:nvSpPr>
+          <p:cNvPr id="3" name="Date Placeholder 2"/>
+          <p:cNvSpPr>
+            <a:spLocks noGrp="1"/>
+          </p:cNvSpPr>
+          <p:nvPr>
+            <p:ph type="dt" idx="1"/>
+          </p:nvPr>
+        </p:nvSpPr>
+        <p:spPr>
+          <a:xfrm>
+            <a:off x="5180013" y="0"/>
+            <a:ext cx="3962400" cy="342900"/>
+          </a:xfrm>
+          <a:prstGeom prst="rect">
+            <a:avLst/>
+          </a:prstGeom>
+        </p:spPr>
+        <p:txBody>
+          <a:bodyPr vert="horz" lIns="91440" tIns="45720" rIns="91440" bIns="45720" rtlCol="0"/>
+          <a:lstStyle>
+            <a:lvl1pPr algn="r">
+              <a:defRPr sz="1200"/>
+            </a:lvl1pPr>
+          </a:lstStyle>
+          <a:p>
+            <a:r id="{B7268E1E-0E44-426D-905E-8AD9B19D2182}" type="datetimeFigureOut">
+              <a:rPr lang="cs-CZ" smtClean="0"/>
+              <a:t>1.7.2013</a:t>
+            </a:r>
+          </a:p>
+        </p:txBody>
+      </p:sp>
+      <p:sp>
+        <p:nvSpPr>
+          <p:cNvPr id="4" name="Slide Image Placeholder 3"/>
+          <p:cNvSpPr>
+            <a:spLocks noGrp="1" noRot="1" noChangeAspect="1"/>
+          </p:cNvSpPr>
+          <p:nvPr>
+            <p:ph type="sldImg" idx="2"/>
+          </p:nvPr>
+        </p:nvSpPr>
+        <p:spPr>
+          <a:xfrm>
+            <a:off x="2857500" y="512763"/>
+            <a:ext cx="3429000" cy="2566987"/>
+          </a:xfrm>
+          <a:prstGeom prst="rect">
+            <a:avLst/>
+          </a:prstGeom>
+          <a:noFill/>
+          <a:ln w="12700">
+            <a:solidFill>
+              <a:prstClr val="black"/>
+            </a:solidFill>
+          </a:ln>
+        </p:spPr>
+        <p:txBody>
+          <a:bodyPr vert="horz" lIns="91440" tIns="45720" rIns="91440" bIns="45720" rtlCol="0" anchor="ctr"/>
+          <a:lstStyle/>
+          <a:p/>
+        </p:txBody>
+      </p:sp>
+      <p:sp>
+        <p:nvSpPr>
+          <p:cNvPr id="5" name="Notes Placeholder 4"/>
+          <p:cNvSpPr>
+            <a:spLocks noGrp="1"/>
+          </p:cNvSpPr>
+          <p:nvPr>
+            <p:ph type="body" sz="quarter" idx="3"/>
+          </p:nvPr>
+        </p:nvSpPr>
+        <p:spPr>
+          <a:xfrm>
+            <a:off x="914400" y="3251200"/>
+            <a:ext cx="7315200" cy="3081338"/>
+          </a:xfrm>
+          <a:prstGeom prst="rect">
+            <a:avLst/>
+          </a:prstGeom>
+        </p:spPr>
+        <p:txBody>
+          <a:bodyPr vert="horz" lIns="91440" tIns="45720" rIns="91440" bIns="45720" rtlCol="0"/>
+          <a:lstStyle/>
+          <a:p>
+            <a:r>
+              <a:rPr lang="en-US"/>
+              <a:t>Mejorar pregunta:</a:t>
+            </a:r>
+          </a:p>
+          <a:p>
+            <a:r>
+              <a:rPr lang="en-US"/>
+              <a:t/>
+            </a:r>
+          </a:p>
+          <a:p>
+            <a:r>
+              <a:rPr lang="en-US"/>
+              <a:t>¿Quien ha tenido ropa suya, hijo o esposa, etc en desuso sin saber que hacer con ella?</a:t>
+            </a:r>
+          </a:p>
+          <a:p>
+            <a:r>
+              <a:rPr lang="en-US"/>
+              <a:t/>
+            </a:r>
+          </a:p>
+          <a:p>
+            <a:r>
+              <a:rPr lang="en-US"/>
+              <a:t>acompañamiento: a la mayoría de personas que se encuentran en esta situación terminan botando la ropa en la basura o en  vertederos</a:t>
+            </a:r>
+          </a:p>
+        </p:txBody>
+      </p:sp>
+      <p:sp>
+        <p:nvSpPr>
+          <p:cNvPr id="6" name="Footer Placeholder 5"/>
+          <p:cNvSpPr>
+            <a:spLocks noGrp="1"/>
+          </p:cNvSpPr>
+          <p:nvPr>
+            <p:ph type="ftr" sz="quarter" idx="4"/>
+          </p:nvPr>
+        </p:nvSpPr>
+        <p:spPr>
+          <a:xfrm>
+            <a:off x="0" y="6502400"/>
+            <a:ext cx="3962400" cy="341313"/>
+          </a:xfrm>
+          <a:prstGeom prst="rect">
+            <a:avLst/>
+          </a:prstGeom>
+        </p:spPr>
+        <p:txBody>
+          <a:bodyPr vert="horz" lIns="91440" tIns="45720" rIns="91440" bIns="45720" rtlCol="0" anchor="b"/>
+          <a:lstStyle>
+            <a:lvl1pPr algn="l">
+              <a:defRPr sz="1200"/>
+            </a:lvl1pPr>
+          </a:lstStyle>
+          <a:p/>
+        </p:txBody>
+      </p:sp>
+      <p:sp>
+        <p:nvSpPr>
+          <p:cNvPr id="7" name="Slide Number Placeholder 6"/>
+          <p:cNvSpPr>
+            <a:spLocks noGrp="1"/>
+          </p:cNvSpPr>
+          <p:nvPr>
+            <p:ph type="sldNum" sz="quarter" idx="5"/>
+          </p:nvPr>
+        </p:nvSpPr>
+        <p:spPr>
+          <a:xfrm>
+            <a:off x="5180013" y="6502400"/>
+            <a:ext cx="3962400" cy="341313"/>
+          </a:xfrm>
+          <a:prstGeom prst="rect">
+            <a:avLst/>
+          </a:prstGeom>
+        </p:spPr>
+        <p:txBody>
+          <a:bodyPr vert="horz" lIns="91440" tIns="45720" rIns="91440" bIns="45720" rtlCol="0" anchor="b"/>
+          <a:lstStyle>
+            <a:lvl1pPr algn="r">
+              <a:defRPr sz="1200"/>
+            </a:lvl1pPr>
+          </a:lstStyle>
+          <a:p>
+            <a:r id="{871B2431-D351-4C6E-A3CF-9DFAC0E3E050}" type="slidenum">
+              <a:rPr lang="cs-CZ" smtClean="0"/>
+              <a:t>‹#›</a:t>
+            </a:r>
+          </a:p>
+        </p:txBody>
+      </p:sp>
+    </p:spTree>
+  </p:cSld>
+  <p:clrMapOvr>
+    <a:masterClrMapping/>
+  </p:clrMapOvr>
+</p:notes>
+</file>
+
+<file path=ppt/notesSlides/notesSlide2.xml><?xml version="1.0" encoding="utf-8"?>
+<p:notes xmlns:p="http://schemas.openxmlformats.org/presentationml/2006/main" xmlns:a="http://schemas.openxmlformats.org/drawingml/2006/main">
+  <p:cSld>
+    <p:spTree xmlns:r="http://schemas.openxmlformats.org/officeDocument/2006/relationships">
+      <p:nvGrpSpPr>
+        <p:cNvPr id="1" name=""/>
+        <p:cNvGrpSpPr/>
+        <p:nvPr/>
+      </p:nvGrpSpPr>
+      <p:grpSpPr>
+        <a:xfrm>
+          <a:off x="0" y="0"/>
+          <a:ext cx="0" cy="0"/>
+          <a:chOff x="0" y="0"/>
+          <a:chExt cx="0" cy="0"/>
+        </a:xfrm>
+      </p:grpSpPr>
+      <p:sp>
+        <p:nvSpPr>
+          <p:cNvPr id="2" name="Header Placeholder 1"/>
+          <p:cNvSpPr>
+            <a:spLocks noGrp="1"/>
+          </p:cNvSpPr>
+          <p:nvPr>
+            <p:ph type="hdr" sz="quarter"/>
+          </p:nvPr>
+        </p:nvSpPr>
+        <p:spPr>
+          <a:xfrm>
+            <a:off x="0" y="0"/>
+            <a:ext cx="3962400" cy="342900"/>
+          </a:xfrm>
+          <a:prstGeom prst="rect">
+            <a:avLst/>
+          </a:prstGeom>
+        </p:spPr>
+        <p:txBody>
+          <a:bodyPr vert="horz" lIns="91440" tIns="45720" rIns="91440" bIns="45720" rtlCol="0"/>
+          <a:lstStyle>
+            <a:lvl1pPr algn="l">
+              <a:defRPr sz="1200"/>
+            </a:lvl1pPr>
+          </a:lstStyle>
+          <a:p/>
+        </p:txBody>
+      </p:sp>
+      <p:sp>
+        <p:nvSpPr>
+          <p:cNvPr id="3" name="Date Placeholder 2"/>
+          <p:cNvSpPr>
+            <a:spLocks noGrp="1"/>
+          </p:cNvSpPr>
+          <p:nvPr>
+            <p:ph type="dt" idx="1"/>
+          </p:nvPr>
+        </p:nvSpPr>
+        <p:spPr>
+          <a:xfrm>
+            <a:off x="5180013" y="0"/>
+            <a:ext cx="3962400" cy="342900"/>
+          </a:xfrm>
+          <a:prstGeom prst="rect">
+            <a:avLst/>
+          </a:prstGeom>
+        </p:spPr>
+        <p:txBody>
+          <a:bodyPr vert="horz" lIns="91440" tIns="45720" rIns="91440" bIns="45720" rtlCol="0"/>
+          <a:lstStyle>
+            <a:lvl1pPr algn="r">
+              <a:defRPr sz="1200"/>
+            </a:lvl1pPr>
+          </a:lstStyle>
+          <a:p>
+            <a:r id="{B7268E1E-0E44-426D-905E-8AD9B19D2182}" type="datetimeFigureOut">
+              <a:rPr lang="cs-CZ" smtClean="0"/>
+              <a:t>1.7.2013</a:t>
+            </a:r>
+          </a:p>
+        </p:txBody>
+      </p:sp>
+      <p:sp>
+        <p:nvSpPr>
+          <p:cNvPr id="4" name="Slide Image Placeholder 3"/>
+          <p:cNvSpPr>
+            <a:spLocks noGrp="1" noRot="1" noChangeAspect="1"/>
+          </p:cNvSpPr>
+          <p:nvPr>
+            <p:ph type="sldImg" idx="2"/>
+          </p:nvPr>
+        </p:nvSpPr>
+        <p:spPr>
+          <a:xfrm>
+            <a:off x="2857500" y="512763"/>
+            <a:ext cx="3429000" cy="2566987"/>
+          </a:xfrm>
+          <a:prstGeom prst="rect">
+            <a:avLst/>
+          </a:prstGeom>
+          <a:noFill/>
+          <a:ln w="12700">
+            <a:solidFill>
+              <a:prstClr val="black"/>
+            </a:solidFill>
+          </a:ln>
+        </p:spPr>
+        <p:txBody>
+          <a:bodyPr vert="horz" lIns="91440" tIns="45720" rIns="91440" bIns="45720" rtlCol="0" anchor="ctr"/>
+          <a:lstStyle/>
+          <a:p/>
+        </p:txBody>
+      </p:sp>
+      <p:sp>
+        <p:nvSpPr>
+          <p:cNvPr id="5" name="Notes Placeholder 4"/>
+          <p:cNvSpPr>
+            <a:spLocks noGrp="1"/>
+          </p:cNvSpPr>
+          <p:nvPr>
+            <p:ph type="body" sz="quarter" idx="3"/>
+          </p:nvPr>
+        </p:nvSpPr>
+        <p:spPr>
+          <a:xfrm>
+            <a:off x="914400" y="3251200"/>
+            <a:ext cx="7315200" cy="3081338"/>
+          </a:xfrm>
+          <a:prstGeom prst="rect">
+            <a:avLst/>
+          </a:prstGeom>
+        </p:spPr>
+        <p:txBody>
+          <a:bodyPr vert="horz" lIns="91440" tIns="45720" rIns="91440" bIns="45720" rtlCol="0"/>
+          <a:lstStyle/>
+          <a:p>
+            <a:r>
+              <a:rPr lang="en-US"/>
+              <a:t/>
+            </a:r>
+            <a:endParaRPr lang="en-US" smtClean="0"/>
+          </a:p>
+        </p:txBody>
+      </p:sp>
+      <p:sp>
+        <p:nvSpPr>
+          <p:cNvPr id="6" name="Footer Placeholder 5"/>
+          <p:cNvSpPr>
+            <a:spLocks noGrp="1"/>
+          </p:cNvSpPr>
+          <p:nvPr>
+            <p:ph type="ftr" sz="quarter" idx="4"/>
+          </p:nvPr>
+        </p:nvSpPr>
+        <p:spPr>
+          <a:xfrm>
+            <a:off x="0" y="6502400"/>
+            <a:ext cx="3962400" cy="341313"/>
+          </a:xfrm>
+          <a:prstGeom prst="rect">
+            <a:avLst/>
+          </a:prstGeom>
+        </p:spPr>
+        <p:txBody>
+          <a:bodyPr vert="horz" lIns="91440" tIns="45720" rIns="91440" bIns="45720" rtlCol="0" anchor="b"/>
+          <a:lstStyle>
+            <a:lvl1pPr algn="l">
+              <a:defRPr sz="1200"/>
+            </a:lvl1pPr>
+          </a:lstStyle>
+          <a:p/>
+        </p:txBody>
+      </p:sp>
+      <p:sp>
+        <p:nvSpPr>
+          <p:cNvPr id="7" name="Slide Number Placeholder 6"/>
+          <p:cNvSpPr>
+            <a:spLocks noGrp="1"/>
+          </p:cNvSpPr>
+          <p:nvPr>
+            <p:ph type="sldNum" sz="quarter" idx="5"/>
+          </p:nvPr>
+        </p:nvSpPr>
+        <p:spPr>
+          <a:xfrm>
+            <a:off x="5180013" y="6502400"/>
+            <a:ext cx="3962400" cy="341313"/>
+          </a:xfrm>
+          <a:prstGeom prst="rect">
+            <a:avLst/>
+          </a:prstGeom>
+        </p:spPr>
+        <p:txBody>
+          <a:bodyPr vert="horz" lIns="91440" tIns="45720" rIns="91440" bIns="45720" rtlCol="0" anchor="b"/>
+          <a:lstStyle>
+            <a:lvl1pPr algn="r">
+              <a:defRPr sz="1200"/>
+            </a:lvl1pPr>
+          </a:lstStyle>
+          <a:p>
+            <a:r id="{871B2431-D351-4C6E-A3CF-9DFAC0E3E050}" type="slidenum">
+              <a:rPr lang="cs-CZ" smtClean="0"/>
+              <a:t>‹#›</a:t>
+            </a:r>
+          </a:p>
+        </p:txBody>
+      </p:sp>
+    </p:spTree>
+  </p:cSld>
+  <p:clrMapOvr>
+    <a:masterClrMapping/>
+  </p:clrMapOvr>
+</p:notes>
+</file>
+
+<file path=ppt/notesSlides/notesSlide3.xml><?xml version="1.0" encoding="utf-8"?>
+<p:notes xmlns:p="http://schemas.openxmlformats.org/presentationml/2006/main" xmlns:a="http://schemas.openxmlformats.org/drawingml/2006/main">
+  <p:cSld>
+    <p:spTree xmlns:r="http://schemas.openxmlformats.org/officeDocument/2006/relationships">
+      <p:nvGrpSpPr>
+        <p:cNvPr id="1" name=""/>
+        <p:cNvGrpSpPr/>
+        <p:nvPr/>
+      </p:nvGrpSpPr>
+      <p:grpSpPr>
+        <a:xfrm>
+          <a:off x="0" y="0"/>
+          <a:ext cx="0" cy="0"/>
+          <a:chOff x="0" y="0"/>
+          <a:chExt cx="0" cy="0"/>
+        </a:xfrm>
+      </p:grpSpPr>
+      <p:sp>
+        <p:nvSpPr>
+          <p:cNvPr id="2" name="Header Placeholder 1"/>
+          <p:cNvSpPr>
+            <a:spLocks noGrp="1"/>
+          </p:cNvSpPr>
+          <p:nvPr>
+            <p:ph type="hdr" sz="quarter"/>
+          </p:nvPr>
+        </p:nvSpPr>
+        <p:spPr>
+          <a:xfrm>
+            <a:off x="0" y="0"/>
+            <a:ext cx="3962400" cy="342900"/>
+          </a:xfrm>
+          <a:prstGeom prst="rect">
+            <a:avLst/>
+          </a:prstGeom>
+        </p:spPr>
+        <p:txBody>
+          <a:bodyPr vert="horz" lIns="91440" tIns="45720" rIns="91440" bIns="45720" rtlCol="0"/>
+          <a:lstStyle>
+            <a:lvl1pPr algn="l">
+              <a:defRPr sz="1200"/>
+            </a:lvl1pPr>
+          </a:lstStyle>
+          <a:p/>
+        </p:txBody>
+      </p:sp>
+      <p:sp>
+        <p:nvSpPr>
+          <p:cNvPr id="3" name="Date Placeholder 2"/>
+          <p:cNvSpPr>
+            <a:spLocks noGrp="1"/>
+          </p:cNvSpPr>
+          <p:nvPr>
+            <p:ph type="dt" idx="1"/>
+          </p:nvPr>
+        </p:nvSpPr>
+        <p:spPr>
+          <a:xfrm>
+            <a:off x="5180013" y="0"/>
+            <a:ext cx="3962400" cy="342900"/>
+          </a:xfrm>
+          <a:prstGeom prst="rect">
+            <a:avLst/>
+          </a:prstGeom>
+        </p:spPr>
+        <p:txBody>
+          <a:bodyPr vert="horz" lIns="91440" tIns="45720" rIns="91440" bIns="45720" rtlCol="0"/>
+          <a:lstStyle>
+            <a:lvl1pPr algn="r">
+              <a:defRPr sz="1200"/>
+            </a:lvl1pPr>
+          </a:lstStyle>
+          <a:p>
+            <a:r id="{B7268E1E-0E44-426D-905E-8AD9B19D2182}" type="datetimeFigureOut">
+              <a:rPr lang="cs-CZ" smtClean="0"/>
+              <a:t>1.7.2013</a:t>
+            </a:r>
+          </a:p>
+        </p:txBody>
+      </p:sp>
+      <p:sp>
+        <p:nvSpPr>
+          <p:cNvPr id="4" name="Slide Image Placeholder 3"/>
+          <p:cNvSpPr>
+            <a:spLocks noGrp="1" noRot="1" noChangeAspect="1"/>
+          </p:cNvSpPr>
+          <p:nvPr>
+            <p:ph type="sldImg" idx="2"/>
+          </p:nvPr>
+        </p:nvSpPr>
+        <p:spPr>
+          <a:xfrm>
+            <a:off x="2857500" y="512763"/>
+            <a:ext cx="3429000" cy="2566987"/>
+          </a:xfrm>
+          <a:prstGeom prst="rect">
+            <a:avLst/>
+          </a:prstGeom>
+          <a:noFill/>
+          <a:ln w="12700">
+            <a:solidFill>
+              <a:prstClr val="black"/>
+            </a:solidFill>
+          </a:ln>
+        </p:spPr>
+        <p:txBody>
+          <a:bodyPr vert="horz" lIns="91440" tIns="45720" rIns="91440" bIns="45720" rtlCol="0" anchor="ctr"/>
+          <a:lstStyle/>
+          <a:p/>
+        </p:txBody>
+      </p:sp>
+      <p:sp>
+        <p:nvSpPr>
+          <p:cNvPr id="5" name="Notes Placeholder 4"/>
+          <p:cNvSpPr>
+            <a:spLocks noGrp="1"/>
+          </p:cNvSpPr>
+          <p:nvPr>
+            <p:ph type="body" sz="quarter" idx="3"/>
+          </p:nvPr>
+        </p:nvSpPr>
+        <p:spPr>
+          <a:xfrm>
+            <a:off x="914400" y="3251200"/>
+            <a:ext cx="7315200" cy="3081338"/>
+          </a:xfrm>
+          <a:prstGeom prst="rect">
+            <a:avLst/>
+          </a:prstGeom>
+        </p:spPr>
+        <p:txBody>
+          <a:bodyPr vert="horz" lIns="91440" tIns="45720" rIns="91440" bIns="45720" rtlCol="0"/>
+          <a:lstStyle/>
+          <a:p>
+            <a:r>
+              <a:rPr lang="en-US"/>
+              <a:t>mejorar pregunta</a:t>
+            </a:r>
+            <a:endParaRPr lang="en-US" smtClean="0"/>
+          </a:p>
+        </p:txBody>
+      </p:sp>
+      <p:sp>
+        <p:nvSpPr>
+          <p:cNvPr id="6" name="Footer Placeholder 5"/>
+          <p:cNvSpPr>
+            <a:spLocks noGrp="1"/>
+          </p:cNvSpPr>
+          <p:nvPr>
+            <p:ph type="ftr" sz="quarter" idx="4"/>
+          </p:nvPr>
+        </p:nvSpPr>
+        <p:spPr>
+          <a:xfrm>
+            <a:off x="0" y="6502400"/>
+            <a:ext cx="3962400" cy="341313"/>
+          </a:xfrm>
+          <a:prstGeom prst="rect">
+            <a:avLst/>
+          </a:prstGeom>
+        </p:spPr>
+        <p:txBody>
+          <a:bodyPr vert="horz" lIns="91440" tIns="45720" rIns="91440" bIns="45720" rtlCol="0" anchor="b"/>
+          <a:lstStyle>
+            <a:lvl1pPr algn="l">
+              <a:defRPr sz="1200"/>
+            </a:lvl1pPr>
+          </a:lstStyle>
+          <a:p/>
+        </p:txBody>
+      </p:sp>
+      <p:sp>
+        <p:nvSpPr>
+          <p:cNvPr id="7" name="Slide Number Placeholder 6"/>
+          <p:cNvSpPr>
+            <a:spLocks noGrp="1"/>
+          </p:cNvSpPr>
+          <p:nvPr>
+            <p:ph type="sldNum" sz="quarter" idx="5"/>
+          </p:nvPr>
+        </p:nvSpPr>
+        <p:spPr>
+          <a:xfrm>
+            <a:off x="5180013" y="6502400"/>
+            <a:ext cx="3962400" cy="341313"/>
+          </a:xfrm>
+          <a:prstGeom prst="rect">
+            <a:avLst/>
+          </a:prstGeom>
+        </p:spPr>
+        <p:txBody>
+          <a:bodyPr vert="horz" lIns="91440" tIns="45720" rIns="91440" bIns="45720" rtlCol="0" anchor="b"/>
+          <a:lstStyle>
+            <a:lvl1pPr algn="r">
+              <a:defRPr sz="1200"/>
+            </a:lvl1pPr>
+          </a:lstStyle>
+          <a:p>
+            <a:r id="{871B2431-D351-4C6E-A3CF-9DFAC0E3E050}" type="slidenum">
+              <a:rPr lang="cs-CZ" smtClean="0"/>
+              <a:t>‹#›</a:t>
+            </a:r>
+          </a:p>
+        </p:txBody>
+      </p:sp>
+    </p:spTree>
+  </p:cSld>
+  <p:clrMapOvr>
+    <a:masterClrMapping/>
+  </p:clrMapOvr>
+</p:notes>
 </file>
 
 <file path=ppt/slideLayouts/slideLayout1.xml><?xml version="1.0" encoding="utf-8"?>
@@ -4949,7 +5960,7 @@
         </p:nvSpPr>
         <p:spPr>
           <a:xfrm rot="0">
-            <a:off x="910897" y="267726"/>
+            <a:off x="1028700" y="3614709"/>
             <a:ext cx="10105181" cy="1528791"/>
           </a:xfrm>
           <a:prstGeom prst="rect">
@@ -5033,105 +6044,6 @@
             </a:stretch>
           </a:blipFill>
         </p:spPr>
-      </p:sp>
-      <p:sp>
-        <p:nvSpPr>
-          <p:cNvPr name="TextBox 7" id="7"/>
-          <p:cNvSpPr txBox="true"/>
-          <p:nvPr/>
-        </p:nvSpPr>
-        <p:spPr>
-          <a:xfrm rot="0">
-            <a:off x="1253085" y="2671917"/>
-            <a:ext cx="15493233" cy="5369472"/>
-          </a:xfrm>
-          <a:prstGeom prst="rect">
-            <a:avLst/>
-          </a:prstGeom>
-        </p:spPr>
-        <p:txBody>
-          <a:bodyPr anchor="t" rtlCol="false" tIns="0" lIns="0" bIns="0" rIns="0">
-            <a:spAutoFit/>
-          </a:bodyPr>
-          <a:lstStyle/>
-          <a:p>
-            <a:pPr algn="l">
-              <a:lnSpc>
-                <a:spcPts val="3819"/>
-              </a:lnSpc>
-            </a:pPr>
-            <a:r>
-              <a:rPr lang="en-US" sz="2728">
-                <a:solidFill>
-                  <a:srgbClr val="FFFFFF"/>
-                </a:solidFill>
-                <a:latin typeface="IBM Plex Sans"/>
-                <a:ea typeface="IBM Plex Sans"/>
-                <a:cs typeface="IBM Plex Sans"/>
-                <a:sym typeface="IBM Plex Sans"/>
-              </a:rPr>
-              <a:t>La aplicación de metodologías ágiles fue clave para desarrollar una solución integral al desafío socioambiental del desperdicio textil. Usando enfoques iterativos y herramientas como JIRA, se mantuvo un ciclo constante de diseño, desarrollo y validación, asegurando que la solución respondiera a las necesidades de los usuarios.</a:t>
-            </a:r>
-          </a:p>
-          <a:p>
-            <a:pPr algn="l">
-              <a:lnSpc>
-                <a:spcPts val="3819"/>
-              </a:lnSpc>
-            </a:pPr>
-            <a:r>
-              <a:rPr lang="en-US" sz="2728">
-                <a:solidFill>
-                  <a:srgbClr val="FFFFFF"/>
-                </a:solidFill>
-                <a:latin typeface="IBM Plex Sans"/>
-                <a:ea typeface="IBM Plex Sans"/>
-                <a:cs typeface="IBM Plex Sans"/>
-                <a:sym typeface="IBM Plex Sans"/>
-              </a:rPr>
-              <a:t>El diseño incluyó un modelado de datos escalable y la integración de múltiples componentes técnicos para crear una aplicación web eficaz. La documentación, como el backlog de tareas, mockups y prototipos, facilitó el seguimiento y la colaboración.</a:t>
-            </a:r>
-          </a:p>
-          <a:p>
-            <a:pPr algn="l">
-              <a:lnSpc>
-                <a:spcPts val="3819"/>
-              </a:lnSpc>
-            </a:pPr>
-            <a:r>
-              <a:rPr lang="en-US" sz="2728">
-                <a:solidFill>
-                  <a:srgbClr val="FFFFFF"/>
-                </a:solidFill>
-                <a:latin typeface="IBM Plex Sans"/>
-                <a:ea typeface="IBM Plex Sans"/>
-                <a:cs typeface="IBM Plex Sans"/>
-                <a:sym typeface="IBM Plex Sans"/>
-              </a:rPr>
-              <a:t>El enfoque sistémico y el fortalecimiento de habilidades como trabajo en equipo y comunicación fueron fundamentales para crear una solución con impacto positivo.</a:t>
-            </a:r>
-          </a:p>
-          <a:p>
-            <a:pPr algn="l">
-              <a:lnSpc>
-                <a:spcPts val="4939"/>
-              </a:lnSpc>
-              <a:spcBef>
-                <a:spcPct val="0"/>
-              </a:spcBef>
-            </a:pPr>
-          </a:p>
-          <a:p>
-            <a:pPr algn="l">
-              <a:lnSpc>
-                <a:spcPts val="3819"/>
-              </a:lnSpc>
-              <a:spcBef>
-                <a:spcPct val="0"/>
-              </a:spcBef>
-            </a:pPr>
-          </a:p>
-        </p:txBody>
       </p:sp>
     </p:spTree>
   </p:cSld>
@@ -7100,7 +8012,7 @@
             </a:pathLst>
           </a:custGeom>
           <a:blipFill>
-            <a:blip r:embed="rId2"/>
+            <a:blip r:embed="rId3"/>
             <a:stretch>
               <a:fillRect l="0" t="-814" r="0" b="-814"/>
             </a:stretch>
@@ -7146,10 +8058,10 @@
             </a:pathLst>
           </a:custGeom>
           <a:blipFill>
-            <a:blip r:embed="rId3">
+            <a:blip r:embed="rId4">
               <a:extLst>
                 <a:ext uri="{96DAC541-7B7A-43D3-8B79-37D633B846F1}">
-                  <asvg:svgBlip xmlns:asvg="http://schemas.microsoft.com/office/drawing/2016/SVG/main" r:embed="rId4"/>
+                  <asvg:svgBlip xmlns:asvg="http://schemas.microsoft.com/office/drawing/2016/SVG/main" r:embed="rId5"/>
                 </a:ext>
               </a:extLst>
             </a:blip>
@@ -7778,10 +8690,10 @@
             </a:pathLst>
           </a:custGeom>
           <a:blipFill>
-            <a:blip r:embed="rId5">
+            <a:blip r:embed="rId6">
               <a:extLst>
                 <a:ext uri="{96DAC541-7B7A-43D3-8B79-37D633B846F1}">
-                  <asvg:svgBlip xmlns:asvg="http://schemas.microsoft.com/office/drawing/2016/SVG/main" r:embed="rId6"/>
+                  <asvg:svgBlip xmlns:asvg="http://schemas.microsoft.com/office/drawing/2016/SVG/main" r:embed="rId7"/>
                 </a:ext>
               </a:extLst>
             </a:blip>
@@ -7799,8 +8711,8 @@
         </p:nvSpPr>
         <p:spPr>
           <a:xfrm flipH="false" flipV="false" rot="0">
-            <a:off x="2236158" y="4973592"/>
-            <a:ext cx="6019076" cy="3385730"/>
+            <a:off x="861491" y="3006715"/>
+            <a:ext cx="8725696" cy="4908204"/>
           </a:xfrm>
           <a:custGeom>
             <a:avLst/>
@@ -7809,18 +8721,18 @@
             <a:cxnLst/>
             <a:rect r="r" b="b" t="t" l="l"/>
             <a:pathLst>
-              <a:path h="3385730" w="6019076">
+              <a:path h="4908204" w="8725696">
                 <a:moveTo>
                   <a:pt x="0" y="0"/>
                 </a:moveTo>
                 <a:lnTo>
-                  <a:pt x="6019075" y="0"/>
-                </a:lnTo>
-                <a:lnTo>
-                  <a:pt x="6019075" y="3385730"/>
-                </a:lnTo>
-                <a:lnTo>
-                  <a:pt x="0" y="3385730"/>
+                  <a:pt x="8725697" y="0"/>
+                </a:lnTo>
+                <a:lnTo>
+                  <a:pt x="8725697" y="4908204"/>
+                </a:lnTo>
+                <a:lnTo>
+                  <a:pt x="0" y="4908204"/>
                 </a:lnTo>
                 <a:lnTo>
                   <a:pt x="0" y="0"/>
@@ -7830,7 +8742,7 @@
             </a:pathLst>
           </a:custGeom>
           <a:blipFill>
-            <a:blip r:embed="rId7"/>
+            <a:blip r:embed="rId8"/>
             <a:stretch>
               <a:fillRect l="-24999" t="-38888" r="-25000" b="-38888"/>
             </a:stretch>
@@ -7876,7 +8788,7 @@
             </a:pathLst>
           </a:custGeom>
           <a:blipFill>
-            <a:blip r:embed="rId8"/>
+            <a:blip r:embed="rId9"/>
             <a:stretch>
               <a:fillRect l="0" t="0" r="0" b="0"/>
             </a:stretch>
@@ -7965,53 +8877,9 @@
           </a:p>
         </p:txBody>
       </p:sp>
-      <p:sp>
-        <p:nvSpPr>
-          <p:cNvPr name="TextBox 23" id="23"/>
-          <p:cNvSpPr txBox="true"/>
-          <p:nvPr/>
-        </p:nvSpPr>
-        <p:spPr>
-          <a:xfrm rot="0">
-            <a:off x="434085" y="2512506"/>
-            <a:ext cx="9344206" cy="2285645"/>
-          </a:xfrm>
-          <a:prstGeom prst="rect">
-            <a:avLst/>
-          </a:prstGeom>
-        </p:spPr>
-        <p:txBody>
-          <a:bodyPr anchor="t" rtlCol="false" tIns="0" lIns="0" bIns="0" rIns="0">
-            <a:spAutoFit/>
-          </a:bodyPr>
-          <a:lstStyle/>
-          <a:p>
-            <a:pPr algn="ctr">
-              <a:lnSpc>
-                <a:spcPts val="3093"/>
-              </a:lnSpc>
-              <a:spcBef>
-                <a:spcPct val="0"/>
-              </a:spcBef>
-            </a:pPr>
-            <a:r>
-              <a:rPr lang="en-US" sz="2209" spc="22">
-                <a:solidFill>
-                  <a:srgbClr val="000000"/>
-                </a:solidFill>
-                <a:latin typeface="Proxima Nova"/>
-                <a:ea typeface="Proxima Nova"/>
-                <a:cs typeface="Proxima Nova"/>
-                <a:sym typeface="Proxima Nova"/>
-              </a:rPr>
-              <a:t>Este proyecto enfrenta un problema que afecta tanto al ambiente como a la sociedad: la gran cantidad de ropa desechada que podría ser donada o reutilizada. Muchas personas optan por tirarla en lugar de darle una segunda vida, contribuyendo a la contaminación textil. La plataforma busca reducir estos desechos y facilitar el acceso a ropa para quienes la necesitan.</a:t>
-            </a:r>
-          </a:p>
-        </p:txBody>
-      </p:sp>
       <p:graphicFrame>
         <p:nvGraphicFramePr>
-          <p:cNvPr name="Table 24" id="24"/>
+          <p:cNvPr name="Table 23" id="23"/>
           <p:cNvGraphicFramePr>
             <a:graphicFrameLocks noGrp="true"/>
           </p:cNvGraphicFramePr>
@@ -9092,7 +9960,7 @@
             </a:pathLst>
           </a:custGeom>
           <a:blipFill>
-            <a:blip r:embed="rId2"/>
+            <a:blip r:embed="rId3"/>
             <a:stretch>
               <a:fillRect l="0" t="-814" r="0" b="-814"/>
             </a:stretch>
@@ -9138,10 +10006,10 @@
             </a:pathLst>
           </a:custGeom>
           <a:blipFill>
-            <a:blip r:embed="rId3">
+            <a:blip r:embed="rId4">
               <a:extLst>
                 <a:ext uri="{96DAC541-7B7A-43D3-8B79-37D633B846F1}">
-                  <asvg:svgBlip xmlns:asvg="http://schemas.microsoft.com/office/drawing/2016/SVG/main" r:embed="rId4"/>
+                  <asvg:svgBlip xmlns:asvg="http://schemas.microsoft.com/office/drawing/2016/SVG/main" r:embed="rId5"/>
                 </a:ext>
               </a:extLst>
             </a:blip>
@@ -9775,10 +10643,10 @@
             </a:pathLst>
           </a:custGeom>
           <a:blipFill>
-            <a:blip r:embed="rId5">
+            <a:blip r:embed="rId6">
               <a:extLst>
                 <a:ext uri="{96DAC541-7B7A-43D3-8B79-37D633B846F1}">
-                  <asvg:svgBlip xmlns:asvg="http://schemas.microsoft.com/office/drawing/2016/SVG/main" r:embed="rId6"/>
+                  <asvg:svgBlip xmlns:asvg="http://schemas.microsoft.com/office/drawing/2016/SVG/main" r:embed="rId7"/>
                 </a:ext>
               </a:extLst>
             </a:blip>
@@ -9868,7 +10736,7 @@
             </a:pathLst>
           </a:custGeom>
           <a:blipFill>
-            <a:blip r:embed="rId7"/>
+            <a:blip r:embed="rId8"/>
             <a:stretch>
               <a:fillRect l="0" t="0" r="0" b="0"/>
             </a:stretch>
@@ -10089,7 +10957,7 @@
           <p:nvPr/>
         </p:nvPicPr>
         <p:blipFill>
-          <a:blip r:embed="rId8"/>
+          <a:blip r:embed="rId9"/>
           <a:stretch>
             <a:fillRect/>
           </a:stretch>
@@ -11184,7 +12052,7 @@
             </a:pathLst>
           </a:custGeom>
           <a:blipFill>
-            <a:blip r:embed="rId2"/>
+            <a:blip r:embed="rId3"/>
             <a:stretch>
               <a:fillRect l="0" t="-814" r="0" b="-814"/>
             </a:stretch>
@@ -11230,10 +12098,10 @@
             </a:pathLst>
           </a:custGeom>
           <a:blipFill>
-            <a:blip r:embed="rId3">
+            <a:blip r:embed="rId4">
               <a:extLst>
                 <a:ext uri="{96DAC541-7B7A-43D3-8B79-37D633B846F1}">
-                  <asvg:svgBlip xmlns:asvg="http://schemas.microsoft.com/office/drawing/2016/SVG/main" r:embed="rId4"/>
+                  <asvg:svgBlip xmlns:asvg="http://schemas.microsoft.com/office/drawing/2016/SVG/main" r:embed="rId5"/>
                 </a:ext>
               </a:extLst>
             </a:blip>
@@ -11306,10 +12174,10 @@
             </a:pathLst>
           </a:custGeom>
           <a:blipFill>
-            <a:blip r:embed="rId5">
+            <a:blip r:embed="rId6">
               <a:extLst>
                 <a:ext uri="{96DAC541-7B7A-43D3-8B79-37D633B846F1}">
-                  <asvg:svgBlip xmlns:asvg="http://schemas.microsoft.com/office/drawing/2016/SVG/main" r:embed="rId6"/>
+                  <asvg:svgBlip xmlns:asvg="http://schemas.microsoft.com/office/drawing/2016/SVG/main" r:embed="rId7"/>
                 </a:ext>
               </a:extLst>
             </a:blip>
@@ -11358,10 +12226,10 @@
             </a:pathLst>
           </a:custGeom>
           <a:blipFill>
-            <a:blip r:embed="rId7">
+            <a:blip r:embed="rId8">
               <a:extLst>
                 <a:ext uri="{96DAC541-7B7A-43D3-8B79-37D633B846F1}">
-                  <asvg:svgBlip xmlns:asvg="http://schemas.microsoft.com/office/drawing/2016/SVG/main" r:embed="rId8"/>
+                  <asvg:svgBlip xmlns:asvg="http://schemas.microsoft.com/office/drawing/2016/SVG/main" r:embed="rId9"/>
                 </a:ext>
               </a:extLst>
             </a:blip>
@@ -11410,10 +12278,10 @@
             </a:pathLst>
           </a:custGeom>
           <a:blipFill>
-            <a:blip r:embed="rId9">
+            <a:blip r:embed="rId10">
               <a:extLst>
                 <a:ext uri="{96DAC541-7B7A-43D3-8B79-37D633B846F1}">
-                  <asvg:svgBlip xmlns:asvg="http://schemas.microsoft.com/office/drawing/2016/SVG/main" r:embed="rId10"/>
+                  <asvg:svgBlip xmlns:asvg="http://schemas.microsoft.com/office/drawing/2016/SVG/main" r:embed="rId11"/>
                 </a:ext>
               </a:extLst>
             </a:blip>
@@ -11462,10 +12330,10 @@
             </a:pathLst>
           </a:custGeom>
           <a:blipFill>
-            <a:blip r:embed="rId11">
+            <a:blip r:embed="rId12">
               <a:extLst>
                 <a:ext uri="{96DAC541-7B7A-43D3-8B79-37D633B846F1}">
-                  <asvg:svgBlip xmlns:asvg="http://schemas.microsoft.com/office/drawing/2016/SVG/main" r:embed="rId12"/>
+                  <asvg:svgBlip xmlns:asvg="http://schemas.microsoft.com/office/drawing/2016/SVG/main" r:embed="rId13"/>
                 </a:ext>
               </a:extLst>
             </a:blip>
@@ -11514,7 +12382,7 @@
             </a:pathLst>
           </a:custGeom>
           <a:blipFill>
-            <a:blip r:embed="rId13"/>
+            <a:blip r:embed="rId14"/>
             <a:stretch>
               <a:fillRect l="0" t="0" r="0" b="0"/>
             </a:stretch>
@@ -11560,10 +12428,10 @@
             </a:pathLst>
           </a:custGeom>
           <a:blipFill>
-            <a:blip r:embed="rId14">
+            <a:blip r:embed="rId15">
               <a:extLst>
                 <a:ext uri="{96DAC541-7B7A-43D3-8B79-37D633B846F1}">
-                  <asvg:svgBlip xmlns:asvg="http://schemas.microsoft.com/office/drawing/2016/SVG/main" r:embed="rId15"/>
+                  <asvg:svgBlip xmlns:asvg="http://schemas.microsoft.com/office/drawing/2016/SVG/main" r:embed="rId16"/>
                 </a:ext>
               </a:extLst>
             </a:blip>
@@ -11612,10 +12480,10 @@
             </a:pathLst>
           </a:custGeom>
           <a:blipFill>
-            <a:blip r:embed="rId16">
+            <a:blip r:embed="rId17">
               <a:extLst>
                 <a:ext uri="{96DAC541-7B7A-43D3-8B79-37D633B846F1}">
-                  <asvg:svgBlip xmlns:asvg="http://schemas.microsoft.com/office/drawing/2016/SVG/main" r:embed="rId17"/>
+                  <asvg:svgBlip xmlns:asvg="http://schemas.microsoft.com/office/drawing/2016/SVG/main" r:embed="rId18"/>
                 </a:ext>
               </a:extLst>
             </a:blip>
@@ -15420,4 +16288,287 @@
   <a:objectDefaults/>
   <a:extraClrSchemeLst/>
 </a:theme>
+</file>
+
+<file path=ppt/theme/theme2.xml><?xml version="1.0" encoding="utf-8"?>
+<a:theme xmlns:a="http://schemas.openxmlformats.org/drawingml/2006/main" name="Office Theme">
+  <a:themeElements>
+    <a:clrScheme name="Office">
+      <a:dk1>
+        <a:sysClr val="windowText" lastClr="000000"/>
+      </a:dk1>
+      <a:lt1>
+        <a:sysClr val="window" lastClr="FFFFFF"/>
+      </a:lt1>
+      <a:dk2>
+        <a:srgbClr val="1F497D"/>
+      </a:dk2>
+      <a:lt2>
+        <a:srgbClr val="EEECE1"/>
+      </a:lt2>
+      <a:accent1>
+        <a:srgbClr val="4F81BD"/>
+      </a:accent1>
+      <a:accent2>
+        <a:srgbClr val="C0504D"/>
+      </a:accent2>
+      <a:accent3>
+        <a:srgbClr val="9BBB59"/>
+      </a:accent3>
+      <a:accent4>
+        <a:srgbClr val="8064A2"/>
+      </a:accent4>
+      <a:accent5>
+        <a:srgbClr val="4BACC6"/>
+      </a:accent5>
+      <a:accent6>
+        <a:srgbClr val="F79646"/>
+      </a:accent6>
+      <a:hlink>
+        <a:srgbClr val="0000FF"/>
+      </a:hlink>
+      <a:folHlink>
+        <a:srgbClr val="800080"/>
+      </a:folHlink>
+    </a:clrScheme>
+    <a:fontScheme name="Office">
+      <a:majorFont>
+        <a:latin typeface="Calibri"/>
+        <a:ea typeface=""/>
+        <a:cs typeface=""/>
+        <a:font script="Jpan" typeface="ＭＳ Ｐゴシック"/>
+        <a:font script="Hang" typeface="맑은 고딕"/>
+        <a:font script="Hans" typeface="宋体"/>
+        <a:font script="Hant" typeface="新細明體"/>
+        <a:font script="Arab" typeface="Times New Roman"/>
+        <a:font script="Hebr" typeface="Times New Roman"/>
+        <a:font script="Thai" typeface="Angsana New"/>
+        <a:font script="Ethi" typeface="Nyala"/>
+        <a:font script="Beng" typeface="Vrinda"/>
+        <a:font script="Gujr" typeface="Shruti"/>
+        <a:font script="Khmr" typeface="MoolBoran"/>
+        <a:font script="Knda" typeface="Tunga"/>
+        <a:font script="Guru" typeface="Raavi"/>
+        <a:font script="Cans" typeface="Euphemia"/>
+        <a:font script="Cher" typeface="Plantagenet Cherokee"/>
+        <a:font script="Yiii" typeface="Microsoft Yi Baiti"/>
+        <a:font script="Tibt" typeface="Microsoft Himalaya"/>
+        <a:font script="Thaa" typeface="MV Boli"/>
+        <a:font script="Deva" typeface="Mangal"/>
+        <a:font script="Telu" typeface="Gautami"/>
+        <a:font script="Taml" typeface="Latha"/>
+        <a:font script="Syrc" typeface="Estrangelo Edessa"/>
+        <a:font script="Orya" typeface="Kalinga"/>
+        <a:font script="Mlym" typeface="Kartika"/>
+        <a:font script="Laoo" typeface="DokChampa"/>
+        <a:font script="Sinh" typeface="Iskoola Pota"/>
+        <a:font script="Mong" typeface="Mongolian Baiti"/>
+        <a:font script="Viet" typeface="Times New Roman"/>
+        <a:font script="Uigh" typeface="Microsoft Uighur"/>
+      </a:majorFont>
+      <a:minorFont>
+        <a:latin typeface="Calibri"/>
+        <a:ea typeface=""/>
+        <a:cs typeface=""/>
+        <a:font script="Jpan" typeface="ＭＳ Ｐゴシック"/>
+        <a:font script="Hang" typeface="맑은 고딕"/>
+        <a:font script="Hans" typeface="宋体"/>
+        <a:font script="Hant" typeface="新細明體"/>
+        <a:font script="Arab" typeface="Arial"/>
+        <a:font script="Hebr" typeface="Arial"/>
+        <a:font script="Thai" typeface="Cordia New"/>
+        <a:font script="Ethi" typeface="Nyala"/>
+        <a:font script="Beng" typeface="Vrinda"/>
+        <a:font script="Gujr" typeface="Shruti"/>
+        <a:font script="Khmr" typeface="DaunPenh"/>
+        <a:font script="Knda" typeface="Tunga"/>
+        <a:font script="Guru" typeface="Raavi"/>
+        <a:font script="Cans" typeface="Euphemia"/>
+        <a:font script="Cher" typeface="Plantagenet Cherokee"/>
+        <a:font script="Yiii" typeface="Microsoft Yi Baiti"/>
+        <a:font script="Tibt" typeface="Microsoft Himalaya"/>
+        <a:font script="Thaa" typeface="MV Boli"/>
+        <a:font script="Deva" typeface="Mangal"/>
+        <a:font script="Telu" typeface="Gautami"/>
+        <a:font script="Taml" typeface="Latha"/>
+        <a:font script="Syrc" typeface="Estrangelo Edessa"/>
+        <a:font script="Orya" typeface="Kalinga"/>
+        <a:font script="Mlym" typeface="Kartika"/>
+        <a:font script="Laoo" typeface="DokChampa"/>
+        <a:font script="Sinh" typeface="Iskoola Pota"/>
+        <a:font script="Mong" typeface="Mongolian Baiti"/>
+        <a:font script="Viet" typeface="Arial"/>
+        <a:font script="Uigh" typeface="Microsoft Uighur"/>
+      </a:minorFont>
+    </a:fontScheme>
+    <a:fmtScheme name="Office">
+      <a:fillStyleLst>
+        <a:solidFill>
+          <a:schemeClr val="phClr"/>
+        </a:solidFill>
+        <a:gradFill rotWithShape="1">
+          <a:gsLst>
+            <a:gs pos="0">
+              <a:schemeClr val="phClr">
+                <a:tint val="50000"/>
+                <a:satMod val="300000"/>
+              </a:schemeClr>
+            </a:gs>
+            <a:gs pos="35000">
+              <a:schemeClr val="phClr">
+                <a:tint val="37000"/>
+                <a:satMod val="300000"/>
+              </a:schemeClr>
+            </a:gs>
+            <a:gs pos="100000">
+              <a:schemeClr val="phClr">
+                <a:tint val="15000"/>
+                <a:satMod val="350000"/>
+              </a:schemeClr>
+            </a:gs>
+          </a:gsLst>
+          <a:lin ang="16200000" scaled="1"/>
+        </a:gradFill>
+        <a:gradFill rotWithShape="1">
+          <a:gsLst>
+            <a:gs pos="0">
+              <a:schemeClr val="phClr">
+                <a:shade val="51000"/>
+                <a:satMod val="130000"/>
+              </a:schemeClr>
+            </a:gs>
+            <a:gs pos="80000">
+              <a:schemeClr val="phClr">
+                <a:shade val="93000"/>
+                <a:satMod val="130000"/>
+              </a:schemeClr>
+            </a:gs>
+            <a:gs pos="100000">
+              <a:schemeClr val="phClr">
+                <a:shade val="94000"/>
+                <a:satMod val="135000"/>
+              </a:schemeClr>
+            </a:gs>
+          </a:gsLst>
+          <a:lin ang="16200000" scaled="0"/>
+        </a:gradFill>
+      </a:fillStyleLst>
+      <a:lnStyleLst>
+        <a:ln w="9525" cap="flat" cmpd="sng" algn="ctr">
+          <a:solidFill>
+            <a:schemeClr val="phClr">
+              <a:shade val="95000"/>
+              <a:satMod val="105000"/>
+            </a:schemeClr>
+          </a:solidFill>
+          <a:prstDash val="solid"/>
+        </a:ln>
+        <a:ln w="25400" cap="flat" cmpd="sng" algn="ctr">
+          <a:solidFill>
+            <a:schemeClr val="phClr"/>
+          </a:solidFill>
+          <a:prstDash val="solid"/>
+        </a:ln>
+        <a:ln w="38100" cap="flat" cmpd="sng" algn="ctr">
+          <a:solidFill>
+            <a:schemeClr val="phClr"/>
+          </a:solidFill>
+          <a:prstDash val="solid"/>
+        </a:ln>
+      </a:lnStyleLst>
+      <a:effectStyleLst>
+        <a:effectStyle>
+          <a:effectLst>
+            <a:outerShdw blurRad="40000" dist="20000" dir="5400000" rotWithShape="0">
+              <a:srgbClr val="000000">
+                <a:alpha val="38000"/>
+              </a:srgbClr>
+            </a:outerShdw>
+          </a:effectLst>
+        </a:effectStyle>
+        <a:effectStyle>
+          <a:effectLst>
+            <a:outerShdw blurRad="40000" dist="23000" dir="5400000" rotWithShape="0">
+              <a:srgbClr val="000000">
+                <a:alpha val="35000"/>
+              </a:srgbClr>
+            </a:outerShdw>
+          </a:effectLst>
+        </a:effectStyle>
+        <a:effectStyle>
+          <a:effectLst>
+            <a:outerShdw blurRad="40000" dist="23000" dir="5400000" rotWithShape="0">
+              <a:srgbClr val="000000">
+                <a:alpha val="35000"/>
+              </a:srgbClr>
+            </a:outerShdw>
+          </a:effectLst>
+          <a:scene3d>
+            <a:camera prst="orthographicFront">
+              <a:rot lat="0" lon="0" rev="0"/>
+            </a:camera>
+            <a:lightRig rig="threePt" dir="t">
+              <a:rot lat="0" lon="0" rev="1200000"/>
+            </a:lightRig>
+          </a:scene3d>
+          <a:sp3d>
+            <a:bevelT w="63500" h="25400"/>
+          </a:sp3d>
+        </a:effectStyle>
+      </a:effectStyleLst>
+      <a:bgFillStyleLst>
+        <a:solidFill>
+          <a:schemeClr val="phClr"/>
+        </a:solidFill>
+        <a:gradFill rotWithShape="1">
+          <a:gsLst>
+            <a:gs pos="0">
+              <a:schemeClr val="phClr">
+                <a:tint val="40000"/>
+                <a:satMod val="350000"/>
+              </a:schemeClr>
+            </a:gs>
+            <a:gs pos="40000">
+              <a:schemeClr val="phClr">
+                <a:tint val="45000"/>
+                <a:shade val="99000"/>
+                <a:satMod val="350000"/>
+              </a:schemeClr>
+            </a:gs>
+            <a:gs pos="100000">
+              <a:schemeClr val="phClr">
+                <a:shade val="20000"/>
+                <a:satMod val="255000"/>
+              </a:schemeClr>
+            </a:gs>
+          </a:gsLst>
+          <a:path path="circle">
+            <a:fillToRect l="50000" t="-80000" r="50000" b="180000"/>
+          </a:path>
+        </a:gradFill>
+        <a:gradFill rotWithShape="1">
+          <a:gsLst>
+            <a:gs pos="0">
+              <a:schemeClr val="phClr">
+                <a:tint val="80000"/>
+                <a:satMod val="300000"/>
+              </a:schemeClr>
+            </a:gs>
+            <a:gs pos="100000">
+              <a:schemeClr val="phClr">
+                <a:shade val="30000"/>
+                <a:satMod val="200000"/>
+              </a:schemeClr>
+            </a:gs>
+          </a:gsLst>
+          <a:path path="circle">
+            <a:fillToRect l="50000" t="50000" r="50000" b="50000"/>
+          </a:path>
+        </a:gradFill>
+      </a:bgFillStyleLst>
+    </a:fmtScheme>
+  </a:themeElements>
+  <a:objectDefaults/>
+  <a:extraClrSchemeLst/>
+</a:theme>
 </file>
--- a/Fase 3/Evidencias Grupales/Presentación Final del proyecto (Español).pptx
+++ b/Fase 3/Evidencias Grupales/Presentación Final del proyecto (Español).pptx
@@ -4,9 +4,6 @@
   <p:sldMasterIdLst>
     <p:sldMasterId id="2147483648" r:id="rId1"/>
   </p:sldMasterIdLst>
-  <p:notesMasterIdLst>
-    <p:notesMasterId r:id="rId20"/>
-  </p:notesMasterIdLst>
   <p:sldIdLst>
     <p:sldId id="256" r:id="rId6"/>
     <p:sldId id="257" r:id="rId7"/>
@@ -37,15 +34,19 @@
     </p:embeddedFont>
     <p:embeddedFont>
       <p:font typeface="Proxima Nova Bold" charset="1" panose="02000506030000020004"/>
-      <p:regular r:id="rId23"/>
+      <p:regular r:id="rId20"/>
     </p:embeddedFont>
     <p:embeddedFont>
       <p:font typeface="Open Sans Bold" charset="1" panose="020B0806030504020204"/>
-      <p:regular r:id="rId26"/>
+      <p:regular r:id="rId21"/>
     </p:embeddedFont>
     <p:embeddedFont>
       <p:font typeface="Open Sans" charset="1" panose="020B0606030504020204"/>
-      <p:regular r:id="rId27"/>
+      <p:regular r:id="rId22"/>
+    </p:embeddedFont>
+    <p:embeddedFont>
+      <p:font typeface="IBM Plex Sans" charset="1" panose="020B0503050203000203"/>
+      <p:regular r:id="rId23"/>
     </p:embeddedFont>
   </p:embeddedFontLst>
   <p:defaultTextStyle>
@@ -144,1018 +145,6 @@
     </a:lvl9pPr>
   </p:defaultTextStyle>
 </p:presentation>
-</file>
-
-<file path=ppt/notesMasters/notesMaster1.xml><?xml version="1.0" encoding="utf-8"?>
-<p:notesMaster xmlns:a="http://schemas.openxmlformats.org/drawingml/2006/main" xmlns:r="http://schemas.openxmlformats.org/officeDocument/2006/relationships" xmlns:p="http://schemas.openxmlformats.org/presentationml/2006/main">
-  <p:cSld>
-    <p:bg>
-      <p:bgRef idx="1001">
-        <a:schemeClr val="bg1"/>
-      </p:bgRef>
-    </p:bg>
-    <p:spTree>
-      <p:nvGrpSpPr>
-        <p:cNvPr id="1" name=""/>
-        <p:cNvGrpSpPr/>
-        <p:nvPr/>
-      </p:nvGrpSpPr>
-      <p:grpSpPr>
-        <a:xfrm>
-          <a:off x="0" y="0"/>
-          <a:ext cx="0" cy="0"/>
-          <a:chOff x="0" y="0"/>
-          <a:chExt cx="0" cy="0"/>
-        </a:xfrm>
-      </p:grpSpPr>
-      <p:sp>
-        <p:nvSpPr>
-          <p:cNvPr id="2" name="Header Placeholder 1"/>
-          <p:cNvSpPr>
-            <a:spLocks noGrp="1"/>
-          </p:cNvSpPr>
-          <p:nvPr>
-            <p:ph type="hdr" sz="quarter"/>
-          </p:nvPr>
-        </p:nvSpPr>
-        <p:spPr>
-          <a:xfrm>
-            <a:off x="0" y="0"/>
-            <a:ext cx="3962400" cy="342900"/>
-          </a:xfrm>
-          <a:prstGeom prst="rect">
-            <a:avLst/>
-          </a:prstGeom>
-        </p:spPr>
-        <p:txBody>
-          <a:bodyPr vert="horz" lIns="91440" tIns="45720" rIns="91440" bIns="45720" rtlCol="0"/>
-          <a:lstStyle>
-            <a:lvl1pPr algn="l">
-              <a:defRPr sz="1200"/>
-            </a:lvl1pPr>
-          </a:lstStyle>
-          <a:p>
-            <a:endParaRPr lang="cs-CZ"/>
-          </a:p>
-        </p:txBody>
-      </p:sp>
-      <p:sp>
-        <p:nvSpPr>
-          <p:cNvPr id="3" name="Date Placeholder 2"/>
-          <p:cNvSpPr>
-            <a:spLocks noGrp="1"/>
-          </p:cNvSpPr>
-          <p:nvPr>
-            <p:ph type="dt" idx="1"/>
-          </p:nvPr>
-        </p:nvSpPr>
-        <p:spPr>
-          <a:xfrm>
-            <a:off x="5180013" y="0"/>
-            <a:ext cx="3962400" cy="342900"/>
-          </a:xfrm>
-          <a:prstGeom prst="rect">
-            <a:avLst/>
-          </a:prstGeom>
-        </p:spPr>
-        <p:txBody>
-          <a:bodyPr vert="horz" lIns="91440" tIns="45720" rIns="91440" bIns="45720" rtlCol="0"/>
-          <a:lstStyle>
-            <a:lvl1pPr algn="r">
-              <a:defRPr sz="1200"/>
-            </a:lvl1pPr>
-          </a:lstStyle>
-          <a:p>
-            <a:fld id="{B7268E1E-0E44-426D-905E-8AD9B19D2182}" type="datetimeFigureOut">
-              <a:rPr lang="cs-CZ" smtClean="0"/>
-              <a:t>1.7.2013</a:t>
-            </a:fld>
-            <a:endParaRPr lang="cs-CZ"/>
-          </a:p>
-        </p:txBody>
-      </p:sp>
-      <p:sp>
-        <p:nvSpPr>
-          <p:cNvPr id="4" name="Slide Image Placeholder 3"/>
-          <p:cNvSpPr>
-            <a:spLocks noGrp="1" noRot="1" noChangeAspect="1"/>
-          </p:cNvSpPr>
-          <p:nvPr>
-            <p:ph type="sldImg" idx="2"/>
-          </p:nvPr>
-        </p:nvSpPr>
-        <p:spPr>
-          <a:xfrm>
-            <a:off x="2857500" y="512763"/>
-            <a:ext cx="3429000" cy="2566987"/>
-          </a:xfrm>
-          <a:prstGeom prst="rect">
-            <a:avLst/>
-          </a:prstGeom>
-          <a:noFill/>
-          <a:ln w="12700">
-            <a:solidFill>
-              <a:prstClr val="black"/>
-            </a:solidFill>
-          </a:ln>
-        </p:spPr>
-        <p:txBody>
-          <a:bodyPr vert="horz" lIns="91440" tIns="45720" rIns="91440" bIns="45720" rtlCol="0" anchor="ctr"/>
-          <a:lstStyle/>
-          <a:p>
-            <a:endParaRPr lang="cs-CZ"/>
-          </a:p>
-        </p:txBody>
-      </p:sp>
-      <p:sp>
-        <p:nvSpPr>
-          <p:cNvPr id="5" name="Notes Placeholder 4"/>
-          <p:cNvSpPr>
-            <a:spLocks noGrp="1"/>
-          </p:cNvSpPr>
-          <p:nvPr>
-            <p:ph type="body" sz="quarter" idx="3"/>
-          </p:nvPr>
-        </p:nvSpPr>
-        <p:spPr>
-          <a:xfrm>
-            <a:off x="914400" y="3251200"/>
-            <a:ext cx="7315200" cy="3081338"/>
-          </a:xfrm>
-          <a:prstGeom prst="rect">
-            <a:avLst/>
-          </a:prstGeom>
-        </p:spPr>
-        <p:txBody>
-          <a:bodyPr vert="horz" lIns="91440" tIns="45720" rIns="91440" bIns="45720" rtlCol="0"/>
-          <a:lstStyle/>
-          <a:p>
-            <a:pPr lvl="0"/>
-            <a:r>
-              <a:rPr lang="en-US" smtClean="0"/>
-              <a:t>Click to edit Master text styles</a:t>
-            </a:r>
-          </a:p>
-          <a:p>
-            <a:pPr lvl="1"/>
-            <a:r>
-              <a:rPr lang="en-US" smtClean="0"/>
-              <a:t>Second level</a:t>
-            </a:r>
-          </a:p>
-          <a:p>
-            <a:pPr lvl="2"/>
-            <a:r>
-              <a:rPr lang="en-US" smtClean="0"/>
-              <a:t>Third level</a:t>
-            </a:r>
-          </a:p>
-          <a:p>
-            <a:pPr lvl="3"/>
-            <a:r>
-              <a:rPr lang="en-US" smtClean="0"/>
-              <a:t>Fourth level</a:t>
-            </a:r>
-          </a:p>
-          <a:p>
-            <a:pPr lvl="4"/>
-            <a:r>
-              <a:rPr lang="en-US" smtClean="0"/>
-              <a:t>Fifth level</a:t>
-            </a:r>
-            <a:endParaRPr lang="cs-CZ"/>
-          </a:p>
-        </p:txBody>
-      </p:sp>
-      <p:sp>
-        <p:nvSpPr>
-          <p:cNvPr id="6" name="Footer Placeholder 5"/>
-          <p:cNvSpPr>
-            <a:spLocks noGrp="1"/>
-          </p:cNvSpPr>
-          <p:nvPr>
-            <p:ph type="ftr" sz="quarter" idx="4"/>
-          </p:nvPr>
-        </p:nvSpPr>
-        <p:spPr>
-          <a:xfrm>
-            <a:off x="0" y="6502400"/>
-            <a:ext cx="3962400" cy="341313"/>
-          </a:xfrm>
-          <a:prstGeom prst="rect">
-            <a:avLst/>
-          </a:prstGeom>
-        </p:spPr>
-        <p:txBody>
-          <a:bodyPr vert="horz" lIns="91440" tIns="45720" rIns="91440" bIns="45720" rtlCol="0" anchor="b"/>
-          <a:lstStyle>
-            <a:lvl1pPr algn="l">
-              <a:defRPr sz="1200"/>
-            </a:lvl1pPr>
-          </a:lstStyle>
-          <a:p>
-            <a:endParaRPr lang="cs-CZ"/>
-          </a:p>
-        </p:txBody>
-      </p:sp>
-      <p:sp>
-        <p:nvSpPr>
-          <p:cNvPr id="7" name="Slide Number Placeholder 6"/>
-          <p:cNvSpPr>
-            <a:spLocks noGrp="1"/>
-          </p:cNvSpPr>
-          <p:nvPr>
-            <p:ph type="sldNum" sz="quarter" idx="5"/>
-          </p:nvPr>
-        </p:nvSpPr>
-        <p:spPr>
-          <a:xfrm>
-            <a:off x="5180013" y="6502400"/>
-            <a:ext cx="3962400" cy="341313"/>
-          </a:xfrm>
-          <a:prstGeom prst="rect">
-            <a:avLst/>
-          </a:prstGeom>
-        </p:spPr>
-        <p:txBody>
-          <a:bodyPr vert="horz" lIns="91440" tIns="45720" rIns="91440" bIns="45720" rtlCol="0" anchor="b"/>
-          <a:lstStyle>
-            <a:lvl1pPr algn="r">
-              <a:defRPr sz="1200"/>
-            </a:lvl1pPr>
-          </a:lstStyle>
-          <a:p>
-            <a:fld id="{871B2431-D351-4C6E-A3CF-9DFAC0E3E050}" type="slidenum">
-              <a:rPr lang="cs-CZ" smtClean="0"/>
-              <a:t>‹#›</a:t>
-            </a:fld>
-            <a:endParaRPr lang="cs-CZ"/>
-          </a:p>
-        </p:txBody>
-      </p:sp>
-    </p:spTree>
-    <p:extLst>
-      <p:ext uri="{BB962C8B-B14F-4D97-AF65-F5344CB8AC3E}">
-        <p14:creationId xmlns:p14="http://schemas.microsoft.com/office/powerpoint/2010/main" val="1798889115"/>
-      </p:ext>
-    </p:extLst>
-  </p:cSld>
-  <p:clrMap bg1="lt1" tx1="dk1" bg2="lt2" tx2="dk2" accent1="accent1" accent2="accent2" accent3="accent3" accent4="accent4" accent5="accent5" accent6="accent6" hlink="hlink" folHlink="folHlink"/>
-  <p:notesStyle>
-    <a:lvl1pPr marL="0" algn="l" defTabSz="914400" rtl="0" eaLnBrk="1" latinLnBrk="0" hangingPunct="1">
-      <a:defRPr sz="1200" kern="1200">
-        <a:solidFill>
-          <a:schemeClr val="tx1"/>
-        </a:solidFill>
-        <a:latin typeface="+mn-lt"/>
-        <a:ea typeface="+mn-ea"/>
-        <a:cs typeface="+mn-cs"/>
-      </a:defRPr>
-    </a:lvl1pPr>
-    <a:lvl2pPr marL="457200" algn="l" defTabSz="914400" rtl="0" eaLnBrk="1" latinLnBrk="0" hangingPunct="1">
-      <a:defRPr sz="1200" kern="1200">
-        <a:solidFill>
-          <a:schemeClr val="tx1"/>
-        </a:solidFill>
-        <a:latin typeface="+mn-lt"/>
-        <a:ea typeface="+mn-ea"/>
-        <a:cs typeface="+mn-cs"/>
-      </a:defRPr>
-    </a:lvl2pPr>
-    <a:lvl3pPr marL="914400" algn="l" defTabSz="914400" rtl="0" eaLnBrk="1" latinLnBrk="0" hangingPunct="1">
-      <a:defRPr sz="1200" kern="1200">
-        <a:solidFill>
-          <a:schemeClr val="tx1"/>
-        </a:solidFill>
-        <a:latin typeface="+mn-lt"/>
-        <a:ea typeface="+mn-ea"/>
-        <a:cs typeface="+mn-cs"/>
-      </a:defRPr>
-    </a:lvl3pPr>
-    <a:lvl4pPr marL="1371600" algn="l" defTabSz="914400" rtl="0" eaLnBrk="1" latinLnBrk="0" hangingPunct="1">
-      <a:defRPr sz="1200" kern="1200">
-        <a:solidFill>
-          <a:schemeClr val="tx1"/>
-        </a:solidFill>
-        <a:latin typeface="+mn-lt"/>
-        <a:ea typeface="+mn-ea"/>
-        <a:cs typeface="+mn-cs"/>
-      </a:defRPr>
-    </a:lvl4pPr>
-    <a:lvl5pPr marL="1828800" algn="l" defTabSz="914400" rtl="0" eaLnBrk="1" latinLnBrk="0" hangingPunct="1">
-      <a:defRPr sz="1200" kern="1200">
-        <a:solidFill>
-          <a:schemeClr val="tx1"/>
-        </a:solidFill>
-        <a:latin typeface="+mn-lt"/>
-        <a:ea typeface="+mn-ea"/>
-        <a:cs typeface="+mn-cs"/>
-      </a:defRPr>
-    </a:lvl5pPr>
-    <a:lvl6pPr marL="2286000" algn="l" defTabSz="914400" rtl="0" eaLnBrk="1" latinLnBrk="0" hangingPunct="1">
-      <a:defRPr sz="1200" kern="1200">
-        <a:solidFill>
-          <a:schemeClr val="tx1"/>
-        </a:solidFill>
-        <a:latin typeface="+mn-lt"/>
-        <a:ea typeface="+mn-ea"/>
-        <a:cs typeface="+mn-cs"/>
-      </a:defRPr>
-    </a:lvl6pPr>
-    <a:lvl7pPr marL="2743200" algn="l" defTabSz="914400" rtl="0" eaLnBrk="1" latinLnBrk="0" hangingPunct="1">
-      <a:defRPr sz="1200" kern="1200">
-        <a:solidFill>
-          <a:schemeClr val="tx1"/>
-        </a:solidFill>
-        <a:latin typeface="+mn-lt"/>
-        <a:ea typeface="+mn-ea"/>
-        <a:cs typeface="+mn-cs"/>
-      </a:defRPr>
-    </a:lvl7pPr>
-    <a:lvl8pPr marL="3200400" algn="l" defTabSz="914400" rtl="0" eaLnBrk="1" latinLnBrk="0" hangingPunct="1">
-      <a:defRPr sz="1200" kern="1200">
-        <a:solidFill>
-          <a:schemeClr val="tx1"/>
-        </a:solidFill>
-        <a:latin typeface="+mn-lt"/>
-        <a:ea typeface="+mn-ea"/>
-        <a:cs typeface="+mn-cs"/>
-      </a:defRPr>
-    </a:lvl8pPr>
-    <a:lvl9pPr marL="3657600" algn="l" defTabSz="914400" rtl="0" eaLnBrk="1" latinLnBrk="0" hangingPunct="1">
-      <a:defRPr sz="1200" kern="1200">
-        <a:solidFill>
-          <a:schemeClr val="tx1"/>
-        </a:solidFill>
-        <a:latin typeface="+mn-lt"/>
-        <a:ea typeface="+mn-ea"/>
-        <a:cs typeface="+mn-cs"/>
-      </a:defRPr>
-    </a:lvl9pPr>
-  </p:notesStyle>
-</p:notesMaster>
-</file>
-
-<file path=ppt/notesSlides/notesSlide1.xml><?xml version="1.0" encoding="utf-8"?>
-<p:notes xmlns:p="http://schemas.openxmlformats.org/presentationml/2006/main" xmlns:a="http://schemas.openxmlformats.org/drawingml/2006/main">
-  <p:cSld>
-    <p:spTree xmlns:r="http://schemas.openxmlformats.org/officeDocument/2006/relationships">
-      <p:nvGrpSpPr>
-        <p:cNvPr id="1" name=""/>
-        <p:cNvGrpSpPr/>
-        <p:nvPr/>
-      </p:nvGrpSpPr>
-      <p:grpSpPr>
-        <a:xfrm>
-          <a:off x="0" y="0"/>
-          <a:ext cx="0" cy="0"/>
-          <a:chOff x="0" y="0"/>
-          <a:chExt cx="0" cy="0"/>
-        </a:xfrm>
-      </p:grpSpPr>
-      <p:sp>
-        <p:nvSpPr>
-          <p:cNvPr id="2" name="Header Placeholder 1"/>
-          <p:cNvSpPr>
-            <a:spLocks noGrp="1"/>
-          </p:cNvSpPr>
-          <p:nvPr>
-            <p:ph type="hdr" sz="quarter"/>
-          </p:nvPr>
-        </p:nvSpPr>
-        <p:spPr>
-          <a:xfrm>
-            <a:off x="0" y="0"/>
-            <a:ext cx="3962400" cy="342900"/>
-          </a:xfrm>
-          <a:prstGeom prst="rect">
-            <a:avLst/>
-          </a:prstGeom>
-        </p:spPr>
-        <p:txBody>
-          <a:bodyPr vert="horz" lIns="91440" tIns="45720" rIns="91440" bIns="45720" rtlCol="0"/>
-          <a:lstStyle>
-            <a:lvl1pPr algn="l">
-              <a:defRPr sz="1200"/>
-            </a:lvl1pPr>
-          </a:lstStyle>
-          <a:p/>
-        </p:txBody>
-      </p:sp>
-      <p:sp>
-        <p:nvSpPr>
-          <p:cNvPr id="3" name="Date Placeholder 2"/>
-          <p:cNvSpPr>
-            <a:spLocks noGrp="1"/>
-          </p:cNvSpPr>
-          <p:nvPr>
-            <p:ph type="dt" idx="1"/>
-          </p:nvPr>
-        </p:nvSpPr>
-        <p:spPr>
-          <a:xfrm>
-            <a:off x="5180013" y="0"/>
-            <a:ext cx="3962400" cy="342900"/>
-          </a:xfrm>
-          <a:prstGeom prst="rect">
-            <a:avLst/>
-          </a:prstGeom>
-        </p:spPr>
-        <p:txBody>
-          <a:bodyPr vert="horz" lIns="91440" tIns="45720" rIns="91440" bIns="45720" rtlCol="0"/>
-          <a:lstStyle>
-            <a:lvl1pPr algn="r">
-              <a:defRPr sz="1200"/>
-            </a:lvl1pPr>
-          </a:lstStyle>
-          <a:p>
-            <a:r id="{B7268E1E-0E44-426D-905E-8AD9B19D2182}" type="datetimeFigureOut">
-              <a:rPr lang="cs-CZ" smtClean="0"/>
-              <a:t>1.7.2013</a:t>
-            </a:r>
-          </a:p>
-        </p:txBody>
-      </p:sp>
-      <p:sp>
-        <p:nvSpPr>
-          <p:cNvPr id="4" name="Slide Image Placeholder 3"/>
-          <p:cNvSpPr>
-            <a:spLocks noGrp="1" noRot="1" noChangeAspect="1"/>
-          </p:cNvSpPr>
-          <p:nvPr>
-            <p:ph type="sldImg" idx="2"/>
-          </p:nvPr>
-        </p:nvSpPr>
-        <p:spPr>
-          <a:xfrm>
-            <a:off x="2857500" y="512763"/>
-            <a:ext cx="3429000" cy="2566987"/>
-          </a:xfrm>
-          <a:prstGeom prst="rect">
-            <a:avLst/>
-          </a:prstGeom>
-          <a:noFill/>
-          <a:ln w="12700">
-            <a:solidFill>
-              <a:prstClr val="black"/>
-            </a:solidFill>
-          </a:ln>
-        </p:spPr>
-        <p:txBody>
-          <a:bodyPr vert="horz" lIns="91440" tIns="45720" rIns="91440" bIns="45720" rtlCol="0" anchor="ctr"/>
-          <a:lstStyle/>
-          <a:p/>
-        </p:txBody>
-      </p:sp>
-      <p:sp>
-        <p:nvSpPr>
-          <p:cNvPr id="5" name="Notes Placeholder 4"/>
-          <p:cNvSpPr>
-            <a:spLocks noGrp="1"/>
-          </p:cNvSpPr>
-          <p:nvPr>
-            <p:ph type="body" sz="quarter" idx="3"/>
-          </p:nvPr>
-        </p:nvSpPr>
-        <p:spPr>
-          <a:xfrm>
-            <a:off x="914400" y="3251200"/>
-            <a:ext cx="7315200" cy="3081338"/>
-          </a:xfrm>
-          <a:prstGeom prst="rect">
-            <a:avLst/>
-          </a:prstGeom>
-        </p:spPr>
-        <p:txBody>
-          <a:bodyPr vert="horz" lIns="91440" tIns="45720" rIns="91440" bIns="45720" rtlCol="0"/>
-          <a:lstStyle/>
-          <a:p>
-            <a:r>
-              <a:rPr lang="en-US"/>
-              <a:t>Mejorar pregunta:</a:t>
-            </a:r>
-          </a:p>
-          <a:p>
-            <a:r>
-              <a:rPr lang="en-US"/>
-              <a:t/>
-            </a:r>
-          </a:p>
-          <a:p>
-            <a:r>
-              <a:rPr lang="en-US"/>
-              <a:t>¿Quien ha tenido ropa suya, hijo o esposa, etc en desuso sin saber que hacer con ella?</a:t>
-            </a:r>
-          </a:p>
-          <a:p>
-            <a:r>
-              <a:rPr lang="en-US"/>
-              <a:t/>
-            </a:r>
-          </a:p>
-          <a:p>
-            <a:r>
-              <a:rPr lang="en-US"/>
-              <a:t>acompañamiento: a la mayoría de personas que se encuentran en esta situación terminan botando la ropa en la basura o en  vertederos</a:t>
-            </a:r>
-          </a:p>
-        </p:txBody>
-      </p:sp>
-      <p:sp>
-        <p:nvSpPr>
-          <p:cNvPr id="6" name="Footer Placeholder 5"/>
-          <p:cNvSpPr>
-            <a:spLocks noGrp="1"/>
-          </p:cNvSpPr>
-          <p:nvPr>
-            <p:ph type="ftr" sz="quarter" idx="4"/>
-          </p:nvPr>
-        </p:nvSpPr>
-        <p:spPr>
-          <a:xfrm>
-            <a:off x="0" y="6502400"/>
-            <a:ext cx="3962400" cy="341313"/>
-          </a:xfrm>
-          <a:prstGeom prst="rect">
-            <a:avLst/>
-          </a:prstGeom>
-        </p:spPr>
-        <p:txBody>
-          <a:bodyPr vert="horz" lIns="91440" tIns="45720" rIns="91440" bIns="45720" rtlCol="0" anchor="b"/>
-          <a:lstStyle>
-            <a:lvl1pPr algn="l">
-              <a:defRPr sz="1200"/>
-            </a:lvl1pPr>
-          </a:lstStyle>
-          <a:p/>
-        </p:txBody>
-      </p:sp>
-      <p:sp>
-        <p:nvSpPr>
-          <p:cNvPr id="7" name="Slide Number Placeholder 6"/>
-          <p:cNvSpPr>
-            <a:spLocks noGrp="1"/>
-          </p:cNvSpPr>
-          <p:nvPr>
-            <p:ph type="sldNum" sz="quarter" idx="5"/>
-          </p:nvPr>
-        </p:nvSpPr>
-        <p:spPr>
-          <a:xfrm>
-            <a:off x="5180013" y="6502400"/>
-            <a:ext cx="3962400" cy="341313"/>
-          </a:xfrm>
-          <a:prstGeom prst="rect">
-            <a:avLst/>
-          </a:prstGeom>
-        </p:spPr>
-        <p:txBody>
-          <a:bodyPr vert="horz" lIns="91440" tIns="45720" rIns="91440" bIns="45720" rtlCol="0" anchor="b"/>
-          <a:lstStyle>
-            <a:lvl1pPr algn="r">
-              <a:defRPr sz="1200"/>
-            </a:lvl1pPr>
-          </a:lstStyle>
-          <a:p>
-            <a:r id="{871B2431-D351-4C6E-A3CF-9DFAC0E3E050}" type="slidenum">
-              <a:rPr lang="cs-CZ" smtClean="0"/>
-              <a:t>‹#›</a:t>
-            </a:r>
-          </a:p>
-        </p:txBody>
-      </p:sp>
-    </p:spTree>
-  </p:cSld>
-  <p:clrMapOvr>
-    <a:masterClrMapping/>
-  </p:clrMapOvr>
-</p:notes>
-</file>
-
-<file path=ppt/notesSlides/notesSlide2.xml><?xml version="1.0" encoding="utf-8"?>
-<p:notes xmlns:p="http://schemas.openxmlformats.org/presentationml/2006/main" xmlns:a="http://schemas.openxmlformats.org/drawingml/2006/main">
-  <p:cSld>
-    <p:spTree xmlns:r="http://schemas.openxmlformats.org/officeDocument/2006/relationships">
-      <p:nvGrpSpPr>
-        <p:cNvPr id="1" name=""/>
-        <p:cNvGrpSpPr/>
-        <p:nvPr/>
-      </p:nvGrpSpPr>
-      <p:grpSpPr>
-        <a:xfrm>
-          <a:off x="0" y="0"/>
-          <a:ext cx="0" cy="0"/>
-          <a:chOff x="0" y="0"/>
-          <a:chExt cx="0" cy="0"/>
-        </a:xfrm>
-      </p:grpSpPr>
-      <p:sp>
-        <p:nvSpPr>
-          <p:cNvPr id="2" name="Header Placeholder 1"/>
-          <p:cNvSpPr>
-            <a:spLocks noGrp="1"/>
-          </p:cNvSpPr>
-          <p:nvPr>
-            <p:ph type="hdr" sz="quarter"/>
-          </p:nvPr>
-        </p:nvSpPr>
-        <p:spPr>
-          <a:xfrm>
-            <a:off x="0" y="0"/>
-            <a:ext cx="3962400" cy="342900"/>
-          </a:xfrm>
-          <a:prstGeom prst="rect">
-            <a:avLst/>
-          </a:prstGeom>
-        </p:spPr>
-        <p:txBody>
-          <a:bodyPr vert="horz" lIns="91440" tIns="45720" rIns="91440" bIns="45720" rtlCol="0"/>
-          <a:lstStyle>
-            <a:lvl1pPr algn="l">
-              <a:defRPr sz="1200"/>
-            </a:lvl1pPr>
-          </a:lstStyle>
-          <a:p/>
-        </p:txBody>
-      </p:sp>
-      <p:sp>
-        <p:nvSpPr>
-          <p:cNvPr id="3" name="Date Placeholder 2"/>
-          <p:cNvSpPr>
-            <a:spLocks noGrp="1"/>
-          </p:cNvSpPr>
-          <p:nvPr>
-            <p:ph type="dt" idx="1"/>
-          </p:nvPr>
-        </p:nvSpPr>
-        <p:spPr>
-          <a:xfrm>
-            <a:off x="5180013" y="0"/>
-            <a:ext cx="3962400" cy="342900"/>
-          </a:xfrm>
-          <a:prstGeom prst="rect">
-            <a:avLst/>
-          </a:prstGeom>
-        </p:spPr>
-        <p:txBody>
-          <a:bodyPr vert="horz" lIns="91440" tIns="45720" rIns="91440" bIns="45720" rtlCol="0"/>
-          <a:lstStyle>
-            <a:lvl1pPr algn="r">
-              <a:defRPr sz="1200"/>
-            </a:lvl1pPr>
-          </a:lstStyle>
-          <a:p>
-            <a:r id="{B7268E1E-0E44-426D-905E-8AD9B19D2182}" type="datetimeFigureOut">
-              <a:rPr lang="cs-CZ" smtClean="0"/>
-              <a:t>1.7.2013</a:t>
-            </a:r>
-          </a:p>
-        </p:txBody>
-      </p:sp>
-      <p:sp>
-        <p:nvSpPr>
-          <p:cNvPr id="4" name="Slide Image Placeholder 3"/>
-          <p:cNvSpPr>
-            <a:spLocks noGrp="1" noRot="1" noChangeAspect="1"/>
-          </p:cNvSpPr>
-          <p:nvPr>
-            <p:ph type="sldImg" idx="2"/>
-          </p:nvPr>
-        </p:nvSpPr>
-        <p:spPr>
-          <a:xfrm>
-            <a:off x="2857500" y="512763"/>
-            <a:ext cx="3429000" cy="2566987"/>
-          </a:xfrm>
-          <a:prstGeom prst="rect">
-            <a:avLst/>
-          </a:prstGeom>
-          <a:noFill/>
-          <a:ln w="12700">
-            <a:solidFill>
-              <a:prstClr val="black"/>
-            </a:solidFill>
-          </a:ln>
-        </p:spPr>
-        <p:txBody>
-          <a:bodyPr vert="horz" lIns="91440" tIns="45720" rIns="91440" bIns="45720" rtlCol="0" anchor="ctr"/>
-          <a:lstStyle/>
-          <a:p/>
-        </p:txBody>
-      </p:sp>
-      <p:sp>
-        <p:nvSpPr>
-          <p:cNvPr id="5" name="Notes Placeholder 4"/>
-          <p:cNvSpPr>
-            <a:spLocks noGrp="1"/>
-          </p:cNvSpPr>
-          <p:nvPr>
-            <p:ph type="body" sz="quarter" idx="3"/>
-          </p:nvPr>
-        </p:nvSpPr>
-        <p:spPr>
-          <a:xfrm>
-            <a:off x="914400" y="3251200"/>
-            <a:ext cx="7315200" cy="3081338"/>
-          </a:xfrm>
-          <a:prstGeom prst="rect">
-            <a:avLst/>
-          </a:prstGeom>
-        </p:spPr>
-        <p:txBody>
-          <a:bodyPr vert="horz" lIns="91440" tIns="45720" rIns="91440" bIns="45720" rtlCol="0"/>
-          <a:lstStyle/>
-          <a:p>
-            <a:r>
-              <a:rPr lang="en-US"/>
-              <a:t/>
-            </a:r>
-            <a:endParaRPr lang="en-US" smtClean="0"/>
-          </a:p>
-        </p:txBody>
-      </p:sp>
-      <p:sp>
-        <p:nvSpPr>
-          <p:cNvPr id="6" name="Footer Placeholder 5"/>
-          <p:cNvSpPr>
-            <a:spLocks noGrp="1"/>
-          </p:cNvSpPr>
-          <p:nvPr>
-            <p:ph type="ftr" sz="quarter" idx="4"/>
-          </p:nvPr>
-        </p:nvSpPr>
-        <p:spPr>
-          <a:xfrm>
-            <a:off x="0" y="6502400"/>
-            <a:ext cx="3962400" cy="341313"/>
-          </a:xfrm>
-          <a:prstGeom prst="rect">
-            <a:avLst/>
-          </a:prstGeom>
-        </p:spPr>
-        <p:txBody>
-          <a:bodyPr vert="horz" lIns="91440" tIns="45720" rIns="91440" bIns="45720" rtlCol="0" anchor="b"/>
-          <a:lstStyle>
-            <a:lvl1pPr algn="l">
-              <a:defRPr sz="1200"/>
-            </a:lvl1pPr>
-          </a:lstStyle>
-          <a:p/>
-        </p:txBody>
-      </p:sp>
-      <p:sp>
-        <p:nvSpPr>
-          <p:cNvPr id="7" name="Slide Number Placeholder 6"/>
-          <p:cNvSpPr>
-            <a:spLocks noGrp="1"/>
-          </p:cNvSpPr>
-          <p:nvPr>
-            <p:ph type="sldNum" sz="quarter" idx="5"/>
-          </p:nvPr>
-        </p:nvSpPr>
-        <p:spPr>
-          <a:xfrm>
-            <a:off x="5180013" y="6502400"/>
-            <a:ext cx="3962400" cy="341313"/>
-          </a:xfrm>
-          <a:prstGeom prst="rect">
-            <a:avLst/>
-          </a:prstGeom>
-        </p:spPr>
-        <p:txBody>
-          <a:bodyPr vert="horz" lIns="91440" tIns="45720" rIns="91440" bIns="45720" rtlCol="0" anchor="b"/>
-          <a:lstStyle>
-            <a:lvl1pPr algn="r">
-              <a:defRPr sz="1200"/>
-            </a:lvl1pPr>
-          </a:lstStyle>
-          <a:p>
-            <a:r id="{871B2431-D351-4C6E-A3CF-9DFAC0E3E050}" type="slidenum">
-              <a:rPr lang="cs-CZ" smtClean="0"/>
-              <a:t>‹#›</a:t>
-            </a:r>
-          </a:p>
-        </p:txBody>
-      </p:sp>
-    </p:spTree>
-  </p:cSld>
-  <p:clrMapOvr>
-    <a:masterClrMapping/>
-  </p:clrMapOvr>
-</p:notes>
-</file>
-
-<file path=ppt/notesSlides/notesSlide3.xml><?xml version="1.0" encoding="utf-8"?>
-<p:notes xmlns:p="http://schemas.openxmlformats.org/presentationml/2006/main" xmlns:a="http://schemas.openxmlformats.org/drawingml/2006/main">
-  <p:cSld>
-    <p:spTree xmlns:r="http://schemas.openxmlformats.org/officeDocument/2006/relationships">
-      <p:nvGrpSpPr>
-        <p:cNvPr id="1" name=""/>
-        <p:cNvGrpSpPr/>
-        <p:nvPr/>
-      </p:nvGrpSpPr>
-      <p:grpSpPr>
-        <a:xfrm>
-          <a:off x="0" y="0"/>
-          <a:ext cx="0" cy="0"/>
-          <a:chOff x="0" y="0"/>
-          <a:chExt cx="0" cy="0"/>
-        </a:xfrm>
-      </p:grpSpPr>
-      <p:sp>
-        <p:nvSpPr>
-          <p:cNvPr id="2" name="Header Placeholder 1"/>
-          <p:cNvSpPr>
-            <a:spLocks noGrp="1"/>
-          </p:cNvSpPr>
-          <p:nvPr>
-            <p:ph type="hdr" sz="quarter"/>
-          </p:nvPr>
-        </p:nvSpPr>
-        <p:spPr>
-          <a:xfrm>
-            <a:off x="0" y="0"/>
-            <a:ext cx="3962400" cy="342900"/>
-          </a:xfrm>
-          <a:prstGeom prst="rect">
-            <a:avLst/>
-          </a:prstGeom>
-        </p:spPr>
-        <p:txBody>
-          <a:bodyPr vert="horz" lIns="91440" tIns="45720" rIns="91440" bIns="45720" rtlCol="0"/>
-          <a:lstStyle>
-            <a:lvl1pPr algn="l">
-              <a:defRPr sz="1200"/>
-            </a:lvl1pPr>
-          </a:lstStyle>
-          <a:p/>
-        </p:txBody>
-      </p:sp>
-      <p:sp>
-        <p:nvSpPr>
-          <p:cNvPr id="3" name="Date Placeholder 2"/>
-          <p:cNvSpPr>
-            <a:spLocks noGrp="1"/>
-          </p:cNvSpPr>
-          <p:nvPr>
-            <p:ph type="dt" idx="1"/>
-          </p:nvPr>
-        </p:nvSpPr>
-        <p:spPr>
-          <a:xfrm>
-            <a:off x="5180013" y="0"/>
-            <a:ext cx="3962400" cy="342900"/>
-          </a:xfrm>
-          <a:prstGeom prst="rect">
-            <a:avLst/>
-          </a:prstGeom>
-        </p:spPr>
-        <p:txBody>
-          <a:bodyPr vert="horz" lIns="91440" tIns="45720" rIns="91440" bIns="45720" rtlCol="0"/>
-          <a:lstStyle>
-            <a:lvl1pPr algn="r">
-              <a:defRPr sz="1200"/>
-            </a:lvl1pPr>
-          </a:lstStyle>
-          <a:p>
-            <a:r id="{B7268E1E-0E44-426D-905E-8AD9B19D2182}" type="datetimeFigureOut">
-              <a:rPr lang="cs-CZ" smtClean="0"/>
-              <a:t>1.7.2013</a:t>
-            </a:r>
-          </a:p>
-        </p:txBody>
-      </p:sp>
-      <p:sp>
-        <p:nvSpPr>
-          <p:cNvPr id="4" name="Slide Image Placeholder 3"/>
-          <p:cNvSpPr>
-            <a:spLocks noGrp="1" noRot="1" noChangeAspect="1"/>
-          </p:cNvSpPr>
-          <p:nvPr>
-            <p:ph type="sldImg" idx="2"/>
-          </p:nvPr>
-        </p:nvSpPr>
-        <p:spPr>
-          <a:xfrm>
-            <a:off x="2857500" y="512763"/>
-            <a:ext cx="3429000" cy="2566987"/>
-          </a:xfrm>
-          <a:prstGeom prst="rect">
-            <a:avLst/>
-          </a:prstGeom>
-          <a:noFill/>
-          <a:ln w="12700">
-            <a:solidFill>
-              <a:prstClr val="black"/>
-            </a:solidFill>
-          </a:ln>
-        </p:spPr>
-        <p:txBody>
-          <a:bodyPr vert="horz" lIns="91440" tIns="45720" rIns="91440" bIns="45720" rtlCol="0" anchor="ctr"/>
-          <a:lstStyle/>
-          <a:p/>
-        </p:txBody>
-      </p:sp>
-      <p:sp>
-        <p:nvSpPr>
-          <p:cNvPr id="5" name="Notes Placeholder 4"/>
-          <p:cNvSpPr>
-            <a:spLocks noGrp="1"/>
-          </p:cNvSpPr>
-          <p:nvPr>
-            <p:ph type="body" sz="quarter" idx="3"/>
-          </p:nvPr>
-        </p:nvSpPr>
-        <p:spPr>
-          <a:xfrm>
-            <a:off x="914400" y="3251200"/>
-            <a:ext cx="7315200" cy="3081338"/>
-          </a:xfrm>
-          <a:prstGeom prst="rect">
-            <a:avLst/>
-          </a:prstGeom>
-        </p:spPr>
-        <p:txBody>
-          <a:bodyPr vert="horz" lIns="91440" tIns="45720" rIns="91440" bIns="45720" rtlCol="0"/>
-          <a:lstStyle/>
-          <a:p>
-            <a:r>
-              <a:rPr lang="en-US"/>
-              <a:t>mejorar pregunta</a:t>
-            </a:r>
-            <a:endParaRPr lang="en-US" smtClean="0"/>
-          </a:p>
-        </p:txBody>
-      </p:sp>
-      <p:sp>
-        <p:nvSpPr>
-          <p:cNvPr id="6" name="Footer Placeholder 5"/>
-          <p:cNvSpPr>
-            <a:spLocks noGrp="1"/>
-          </p:cNvSpPr>
-          <p:nvPr>
-            <p:ph type="ftr" sz="quarter" idx="4"/>
-          </p:nvPr>
-        </p:nvSpPr>
-        <p:spPr>
-          <a:xfrm>
-            <a:off x="0" y="6502400"/>
-            <a:ext cx="3962400" cy="341313"/>
-          </a:xfrm>
-          <a:prstGeom prst="rect">
-            <a:avLst/>
-          </a:prstGeom>
-        </p:spPr>
-        <p:txBody>
-          <a:bodyPr vert="horz" lIns="91440" tIns="45720" rIns="91440" bIns="45720" rtlCol="0" anchor="b"/>
-          <a:lstStyle>
-            <a:lvl1pPr algn="l">
-              <a:defRPr sz="1200"/>
-            </a:lvl1pPr>
-          </a:lstStyle>
-          <a:p/>
-        </p:txBody>
-      </p:sp>
-      <p:sp>
-        <p:nvSpPr>
-          <p:cNvPr id="7" name="Slide Number Placeholder 6"/>
-          <p:cNvSpPr>
-            <a:spLocks noGrp="1"/>
-          </p:cNvSpPr>
-          <p:nvPr>
-            <p:ph type="sldNum" sz="quarter" idx="5"/>
-          </p:nvPr>
-        </p:nvSpPr>
-        <p:spPr>
-          <a:xfrm>
-            <a:off x="5180013" y="6502400"/>
-            <a:ext cx="3962400" cy="341313"/>
-          </a:xfrm>
-          <a:prstGeom prst="rect">
-            <a:avLst/>
-          </a:prstGeom>
-        </p:spPr>
-        <p:txBody>
-          <a:bodyPr vert="horz" lIns="91440" tIns="45720" rIns="91440" bIns="45720" rtlCol="0" anchor="b"/>
-          <a:lstStyle>
-            <a:lvl1pPr algn="r">
-              <a:defRPr sz="1200"/>
-            </a:lvl1pPr>
-          </a:lstStyle>
-          <a:p>
-            <a:r id="{871B2431-D351-4C6E-A3CF-9DFAC0E3E050}" type="slidenum">
-              <a:rPr lang="cs-CZ" smtClean="0"/>
-              <a:t>‹#›</a:t>
-            </a:r>
-          </a:p>
-        </p:txBody>
-      </p:sp>
-    </p:spTree>
-  </p:cSld>
-  <p:clrMapOvr>
-    <a:masterClrMapping/>
-  </p:clrMapOvr>
-</p:notes>
 </file>
 
 <file path=ppt/slideLayouts/slideLayout1.xml><?xml version="1.0" encoding="utf-8"?>
@@ -5960,7 +4949,7 @@
         </p:nvSpPr>
         <p:spPr>
           <a:xfrm rot="0">
-            <a:off x="1028700" y="3614709"/>
+            <a:off x="910897" y="267726"/>
             <a:ext cx="10105181" cy="1528791"/>
           </a:xfrm>
           <a:prstGeom prst="rect">
@@ -6044,6 +5033,105 @@
             </a:stretch>
           </a:blipFill>
         </p:spPr>
+      </p:sp>
+      <p:sp>
+        <p:nvSpPr>
+          <p:cNvPr name="TextBox 7" id="7"/>
+          <p:cNvSpPr txBox="true"/>
+          <p:nvPr/>
+        </p:nvSpPr>
+        <p:spPr>
+          <a:xfrm rot="0">
+            <a:off x="1253085" y="2671917"/>
+            <a:ext cx="15493233" cy="5369472"/>
+          </a:xfrm>
+          <a:prstGeom prst="rect">
+            <a:avLst/>
+          </a:prstGeom>
+        </p:spPr>
+        <p:txBody>
+          <a:bodyPr anchor="t" rtlCol="false" tIns="0" lIns="0" bIns="0" rIns="0">
+            <a:spAutoFit/>
+          </a:bodyPr>
+          <a:lstStyle/>
+          <a:p>
+            <a:pPr algn="l">
+              <a:lnSpc>
+                <a:spcPts val="3819"/>
+              </a:lnSpc>
+            </a:pPr>
+            <a:r>
+              <a:rPr lang="en-US" sz="2728">
+                <a:solidFill>
+                  <a:srgbClr val="FFFFFF"/>
+                </a:solidFill>
+                <a:latin typeface="IBM Plex Sans"/>
+                <a:ea typeface="IBM Plex Sans"/>
+                <a:cs typeface="IBM Plex Sans"/>
+                <a:sym typeface="IBM Plex Sans"/>
+              </a:rPr>
+              <a:t>La aplicación de metodologías ágiles fue clave para desarrollar una solución integral al desafío socioambiental del desperdicio textil. Usando enfoques iterativos y herramientas como JIRA, se mantuvo un ciclo constante de diseño, desarrollo y validación, asegurando que la solución respondiera a las necesidades de los usuarios.</a:t>
+            </a:r>
+          </a:p>
+          <a:p>
+            <a:pPr algn="l">
+              <a:lnSpc>
+                <a:spcPts val="3819"/>
+              </a:lnSpc>
+            </a:pPr>
+            <a:r>
+              <a:rPr lang="en-US" sz="2728">
+                <a:solidFill>
+                  <a:srgbClr val="FFFFFF"/>
+                </a:solidFill>
+                <a:latin typeface="IBM Plex Sans"/>
+                <a:ea typeface="IBM Plex Sans"/>
+                <a:cs typeface="IBM Plex Sans"/>
+                <a:sym typeface="IBM Plex Sans"/>
+              </a:rPr>
+              <a:t>El diseño incluyó un modelado de datos escalable y la integración de múltiples componentes técnicos para crear una aplicación web eficaz. La documentación, como el backlog de tareas, mockups y prototipos, facilitó el seguimiento y la colaboración.</a:t>
+            </a:r>
+          </a:p>
+          <a:p>
+            <a:pPr algn="l">
+              <a:lnSpc>
+                <a:spcPts val="3819"/>
+              </a:lnSpc>
+            </a:pPr>
+            <a:r>
+              <a:rPr lang="en-US" sz="2728">
+                <a:solidFill>
+                  <a:srgbClr val="FFFFFF"/>
+                </a:solidFill>
+                <a:latin typeface="IBM Plex Sans"/>
+                <a:ea typeface="IBM Plex Sans"/>
+                <a:cs typeface="IBM Plex Sans"/>
+                <a:sym typeface="IBM Plex Sans"/>
+              </a:rPr>
+              <a:t>El enfoque sistémico y el fortalecimiento de habilidades como trabajo en equipo y comunicación fueron fundamentales para crear una solución con impacto positivo.</a:t>
+            </a:r>
+          </a:p>
+          <a:p>
+            <a:pPr algn="l">
+              <a:lnSpc>
+                <a:spcPts val="4939"/>
+              </a:lnSpc>
+              <a:spcBef>
+                <a:spcPct val="0"/>
+              </a:spcBef>
+            </a:pPr>
+          </a:p>
+          <a:p>
+            <a:pPr algn="l">
+              <a:lnSpc>
+                <a:spcPts val="3819"/>
+              </a:lnSpc>
+              <a:spcBef>
+                <a:spcPct val="0"/>
+              </a:spcBef>
+            </a:pPr>
+          </a:p>
+        </p:txBody>
       </p:sp>
     </p:spTree>
   </p:cSld>
@@ -8012,7 +7100,7 @@
             </a:pathLst>
           </a:custGeom>
           <a:blipFill>
-            <a:blip r:embed="rId3"/>
+            <a:blip r:embed="rId2"/>
             <a:stretch>
               <a:fillRect l="0" t="-814" r="0" b="-814"/>
             </a:stretch>
@@ -8058,10 +7146,10 @@
             </a:pathLst>
           </a:custGeom>
           <a:blipFill>
-            <a:blip r:embed="rId4">
+            <a:blip r:embed="rId3">
               <a:extLst>
                 <a:ext uri="{96DAC541-7B7A-43D3-8B79-37D633B846F1}">
-                  <asvg:svgBlip xmlns:asvg="http://schemas.microsoft.com/office/drawing/2016/SVG/main" r:embed="rId5"/>
+                  <asvg:svgBlip xmlns:asvg="http://schemas.microsoft.com/office/drawing/2016/SVG/main" r:embed="rId4"/>
                 </a:ext>
               </a:extLst>
             </a:blip>
@@ -8690,10 +7778,10 @@
             </a:pathLst>
           </a:custGeom>
           <a:blipFill>
-            <a:blip r:embed="rId6">
+            <a:blip r:embed="rId5">
               <a:extLst>
                 <a:ext uri="{96DAC541-7B7A-43D3-8B79-37D633B846F1}">
-                  <asvg:svgBlip xmlns:asvg="http://schemas.microsoft.com/office/drawing/2016/SVG/main" r:embed="rId7"/>
+                  <asvg:svgBlip xmlns:asvg="http://schemas.microsoft.com/office/drawing/2016/SVG/main" r:embed="rId6"/>
                 </a:ext>
               </a:extLst>
             </a:blip>
@@ -8711,8 +7799,8 @@
         </p:nvSpPr>
         <p:spPr>
           <a:xfrm flipH="false" flipV="false" rot="0">
-            <a:off x="861491" y="3006715"/>
-            <a:ext cx="8725696" cy="4908204"/>
+            <a:off x="2236158" y="4973592"/>
+            <a:ext cx="6019076" cy="3385730"/>
           </a:xfrm>
           <a:custGeom>
             <a:avLst/>
@@ -8721,18 +7809,18 @@
             <a:cxnLst/>
             <a:rect r="r" b="b" t="t" l="l"/>
             <a:pathLst>
-              <a:path h="4908204" w="8725696">
+              <a:path h="3385730" w="6019076">
                 <a:moveTo>
                   <a:pt x="0" y="0"/>
                 </a:moveTo>
                 <a:lnTo>
-                  <a:pt x="8725697" y="0"/>
-                </a:lnTo>
-                <a:lnTo>
-                  <a:pt x="8725697" y="4908204"/>
-                </a:lnTo>
-                <a:lnTo>
-                  <a:pt x="0" y="4908204"/>
+                  <a:pt x="6019075" y="0"/>
+                </a:lnTo>
+                <a:lnTo>
+                  <a:pt x="6019075" y="3385730"/>
+                </a:lnTo>
+                <a:lnTo>
+                  <a:pt x="0" y="3385730"/>
                 </a:lnTo>
                 <a:lnTo>
                   <a:pt x="0" y="0"/>
@@ -8742,7 +7830,7 @@
             </a:pathLst>
           </a:custGeom>
           <a:blipFill>
-            <a:blip r:embed="rId8"/>
+            <a:blip r:embed="rId7"/>
             <a:stretch>
               <a:fillRect l="-24999" t="-38888" r="-25000" b="-38888"/>
             </a:stretch>
@@ -8788,7 +7876,7 @@
             </a:pathLst>
           </a:custGeom>
           <a:blipFill>
-            <a:blip r:embed="rId9"/>
+            <a:blip r:embed="rId8"/>
             <a:stretch>
               <a:fillRect l="0" t="0" r="0" b="0"/>
             </a:stretch>
@@ -8877,9 +7965,53 @@
           </a:p>
         </p:txBody>
       </p:sp>
+      <p:sp>
+        <p:nvSpPr>
+          <p:cNvPr name="TextBox 23" id="23"/>
+          <p:cNvSpPr txBox="true"/>
+          <p:nvPr/>
+        </p:nvSpPr>
+        <p:spPr>
+          <a:xfrm rot="0">
+            <a:off x="434085" y="2512506"/>
+            <a:ext cx="9344206" cy="2285645"/>
+          </a:xfrm>
+          <a:prstGeom prst="rect">
+            <a:avLst/>
+          </a:prstGeom>
+        </p:spPr>
+        <p:txBody>
+          <a:bodyPr anchor="t" rtlCol="false" tIns="0" lIns="0" bIns="0" rIns="0">
+            <a:spAutoFit/>
+          </a:bodyPr>
+          <a:lstStyle/>
+          <a:p>
+            <a:pPr algn="ctr">
+              <a:lnSpc>
+                <a:spcPts val="3093"/>
+              </a:lnSpc>
+              <a:spcBef>
+                <a:spcPct val="0"/>
+              </a:spcBef>
+            </a:pPr>
+            <a:r>
+              <a:rPr lang="en-US" sz="2209" spc="22">
+                <a:solidFill>
+                  <a:srgbClr val="000000"/>
+                </a:solidFill>
+                <a:latin typeface="Proxima Nova"/>
+                <a:ea typeface="Proxima Nova"/>
+                <a:cs typeface="Proxima Nova"/>
+                <a:sym typeface="Proxima Nova"/>
+              </a:rPr>
+              <a:t>Este proyecto enfrenta un problema que afecta tanto al ambiente como a la sociedad: la gran cantidad de ropa desechada que podría ser donada o reutilizada. Muchas personas optan por tirarla en lugar de darle una segunda vida, contribuyendo a la contaminación textil. La plataforma busca reducir estos desechos y facilitar el acceso a ropa para quienes la necesitan.</a:t>
+            </a:r>
+          </a:p>
+        </p:txBody>
+      </p:sp>
       <p:graphicFrame>
         <p:nvGraphicFramePr>
-          <p:cNvPr name="Table 23" id="23"/>
+          <p:cNvPr name="Table 24" id="24"/>
           <p:cNvGraphicFramePr>
             <a:graphicFrameLocks noGrp="true"/>
           </p:cNvGraphicFramePr>
@@ -9960,7 +9092,7 @@
             </a:pathLst>
           </a:custGeom>
           <a:blipFill>
-            <a:blip r:embed="rId3"/>
+            <a:blip r:embed="rId2"/>
             <a:stretch>
               <a:fillRect l="0" t="-814" r="0" b="-814"/>
             </a:stretch>
@@ -10006,10 +9138,10 @@
             </a:pathLst>
           </a:custGeom>
           <a:blipFill>
-            <a:blip r:embed="rId4">
+            <a:blip r:embed="rId3">
               <a:extLst>
                 <a:ext uri="{96DAC541-7B7A-43D3-8B79-37D633B846F1}">
-                  <asvg:svgBlip xmlns:asvg="http://schemas.microsoft.com/office/drawing/2016/SVG/main" r:embed="rId5"/>
+                  <asvg:svgBlip xmlns:asvg="http://schemas.microsoft.com/office/drawing/2016/SVG/main" r:embed="rId4"/>
                 </a:ext>
               </a:extLst>
             </a:blip>
@@ -10643,10 +9775,10 @@
             </a:pathLst>
           </a:custGeom>
           <a:blipFill>
-            <a:blip r:embed="rId6">
+            <a:blip r:embed="rId5">
               <a:extLst>
                 <a:ext uri="{96DAC541-7B7A-43D3-8B79-37D633B846F1}">
-                  <asvg:svgBlip xmlns:asvg="http://schemas.microsoft.com/office/drawing/2016/SVG/main" r:embed="rId7"/>
+                  <asvg:svgBlip xmlns:asvg="http://schemas.microsoft.com/office/drawing/2016/SVG/main" r:embed="rId6"/>
                 </a:ext>
               </a:extLst>
             </a:blip>
@@ -10736,7 +9868,7 @@
             </a:pathLst>
           </a:custGeom>
           <a:blipFill>
-            <a:blip r:embed="rId8"/>
+            <a:blip r:embed="rId7"/>
             <a:stretch>
               <a:fillRect l="0" t="0" r="0" b="0"/>
             </a:stretch>
@@ -10957,7 +10089,7 @@
           <p:nvPr/>
         </p:nvPicPr>
         <p:blipFill>
-          <a:blip r:embed="rId9"/>
+          <a:blip r:embed="rId8"/>
           <a:stretch>
             <a:fillRect/>
           </a:stretch>
@@ -12052,7 +11184,7 @@
             </a:pathLst>
           </a:custGeom>
           <a:blipFill>
-            <a:blip r:embed="rId3"/>
+            <a:blip r:embed="rId2"/>
             <a:stretch>
               <a:fillRect l="0" t="-814" r="0" b="-814"/>
             </a:stretch>
@@ -12098,10 +11230,10 @@
             </a:pathLst>
           </a:custGeom>
           <a:blipFill>
-            <a:blip r:embed="rId4">
+            <a:blip r:embed="rId3">
               <a:extLst>
                 <a:ext uri="{96DAC541-7B7A-43D3-8B79-37D633B846F1}">
-                  <asvg:svgBlip xmlns:asvg="http://schemas.microsoft.com/office/drawing/2016/SVG/main" r:embed="rId5"/>
+                  <asvg:svgBlip xmlns:asvg="http://schemas.microsoft.com/office/drawing/2016/SVG/main" r:embed="rId4"/>
                 </a:ext>
               </a:extLst>
             </a:blip>
@@ -12174,10 +11306,10 @@
             </a:pathLst>
           </a:custGeom>
           <a:blipFill>
-            <a:blip r:embed="rId6">
+            <a:blip r:embed="rId5">
               <a:extLst>
                 <a:ext uri="{96DAC541-7B7A-43D3-8B79-37D633B846F1}">
-                  <asvg:svgBlip xmlns:asvg="http://schemas.microsoft.com/office/drawing/2016/SVG/main" r:embed="rId7"/>
+                  <asvg:svgBlip xmlns:asvg="http://schemas.microsoft.com/office/drawing/2016/SVG/main" r:embed="rId6"/>
                 </a:ext>
               </a:extLst>
             </a:blip>
@@ -12226,10 +11358,10 @@
             </a:pathLst>
           </a:custGeom>
           <a:blipFill>
-            <a:blip r:embed="rId8">
+            <a:blip r:embed="rId7">
               <a:extLst>
                 <a:ext uri="{96DAC541-7B7A-43D3-8B79-37D633B846F1}">
-                  <asvg:svgBlip xmlns:asvg="http://schemas.microsoft.com/office/drawing/2016/SVG/main" r:embed="rId9"/>
+                  <asvg:svgBlip xmlns:asvg="http://schemas.microsoft.com/office/drawing/2016/SVG/main" r:embed="rId8"/>
                 </a:ext>
               </a:extLst>
             </a:blip>
@@ -12278,10 +11410,10 @@
             </a:pathLst>
           </a:custGeom>
           <a:blipFill>
-            <a:blip r:embed="rId10">
+            <a:blip r:embed="rId9">
               <a:extLst>
                 <a:ext uri="{96DAC541-7B7A-43D3-8B79-37D633B846F1}">
-                  <asvg:svgBlip xmlns:asvg="http://schemas.microsoft.com/office/drawing/2016/SVG/main" r:embed="rId11"/>
+                  <asvg:svgBlip xmlns:asvg="http://schemas.microsoft.com/office/drawing/2016/SVG/main" r:embed="rId10"/>
                 </a:ext>
               </a:extLst>
             </a:blip>
@@ -12330,10 +11462,10 @@
             </a:pathLst>
           </a:custGeom>
           <a:blipFill>
-            <a:blip r:embed="rId12">
+            <a:blip r:embed="rId11">
               <a:extLst>
                 <a:ext uri="{96DAC541-7B7A-43D3-8B79-37D633B846F1}">
-                  <asvg:svgBlip xmlns:asvg="http://schemas.microsoft.com/office/drawing/2016/SVG/main" r:embed="rId13"/>
+                  <asvg:svgBlip xmlns:asvg="http://schemas.microsoft.com/office/drawing/2016/SVG/main" r:embed="rId12"/>
                 </a:ext>
               </a:extLst>
             </a:blip>
@@ -12382,7 +11514,7 @@
             </a:pathLst>
           </a:custGeom>
           <a:blipFill>
-            <a:blip r:embed="rId14"/>
+            <a:blip r:embed="rId13"/>
             <a:stretch>
               <a:fillRect l="0" t="0" r="0" b="0"/>
             </a:stretch>
@@ -12428,10 +11560,10 @@
             </a:pathLst>
           </a:custGeom>
           <a:blipFill>
-            <a:blip r:embed="rId15">
+            <a:blip r:embed="rId14">
               <a:extLst>
                 <a:ext uri="{96DAC541-7B7A-43D3-8B79-37D633B846F1}">
-                  <asvg:svgBlip xmlns:asvg="http://schemas.microsoft.com/office/drawing/2016/SVG/main" r:embed="rId16"/>
+                  <asvg:svgBlip xmlns:asvg="http://schemas.microsoft.com/office/drawing/2016/SVG/main" r:embed="rId15"/>
                 </a:ext>
               </a:extLst>
             </a:blip>
@@ -12480,10 +11612,10 @@
             </a:pathLst>
           </a:custGeom>
           <a:blipFill>
-            <a:blip r:embed="rId17">
+            <a:blip r:embed="rId16">
               <a:extLst>
                 <a:ext uri="{96DAC541-7B7A-43D3-8B79-37D633B846F1}">
-                  <asvg:svgBlip xmlns:asvg="http://schemas.microsoft.com/office/drawing/2016/SVG/main" r:embed="rId18"/>
+                  <asvg:svgBlip xmlns:asvg="http://schemas.microsoft.com/office/drawing/2016/SVG/main" r:embed="rId17"/>
                 </a:ext>
               </a:extLst>
             </a:blip>
@@ -16288,287 +15420,4 @@
   <a:objectDefaults/>
   <a:extraClrSchemeLst/>
 </a:theme>
-</file>
-
-<file path=ppt/theme/theme2.xml><?xml version="1.0" encoding="utf-8"?>
-<a:theme xmlns:a="http://schemas.openxmlformats.org/drawingml/2006/main" name="Office Theme">
-  <a:themeElements>
-    <a:clrScheme name="Office">
-      <a:dk1>
-        <a:sysClr val="windowText" lastClr="000000"/>
-      </a:dk1>
-      <a:lt1>
-        <a:sysClr val="window" lastClr="FFFFFF"/>
-      </a:lt1>
-      <a:dk2>
-        <a:srgbClr val="1F497D"/>
-      </a:dk2>
-      <a:lt2>
-        <a:srgbClr val="EEECE1"/>
-      </a:lt2>
-      <a:accent1>
-        <a:srgbClr val="4F81BD"/>
-      </a:accent1>
-      <a:accent2>
-        <a:srgbClr val="C0504D"/>
-      </a:accent2>
-      <a:accent3>
-        <a:srgbClr val="9BBB59"/>
-      </a:accent3>
-      <a:accent4>
-        <a:srgbClr val="8064A2"/>
-      </a:accent4>
-      <a:accent5>
-        <a:srgbClr val="4BACC6"/>
-      </a:accent5>
-      <a:accent6>
-        <a:srgbClr val="F79646"/>
-      </a:accent6>
-      <a:hlink>
-        <a:srgbClr val="0000FF"/>
-      </a:hlink>
-      <a:folHlink>
-        <a:srgbClr val="800080"/>
-      </a:folHlink>
-    </a:clrScheme>
-    <a:fontScheme name="Office">
-      <a:majorFont>
-        <a:latin typeface="Calibri"/>
-        <a:ea typeface=""/>
-        <a:cs typeface=""/>
-        <a:font script="Jpan" typeface="ＭＳ Ｐゴシック"/>
-        <a:font script="Hang" typeface="맑은 고딕"/>
-        <a:font script="Hans" typeface="宋体"/>
-        <a:font script="Hant" typeface="新細明體"/>
-        <a:font script="Arab" typeface="Times New Roman"/>
-        <a:font script="Hebr" typeface="Times New Roman"/>
-        <a:font script="Thai" typeface="Angsana New"/>
-        <a:font script="Ethi" typeface="Nyala"/>
-        <a:font script="Beng" typeface="Vrinda"/>
-        <a:font script="Gujr" typeface="Shruti"/>
-        <a:font script="Khmr" typeface="MoolBoran"/>
-        <a:font script="Knda" typeface="Tunga"/>
-        <a:font script="Guru" typeface="Raavi"/>
-        <a:font script="Cans" typeface="Euphemia"/>
-        <a:font script="Cher" typeface="Plantagenet Cherokee"/>
-        <a:font script="Yiii" typeface="Microsoft Yi Baiti"/>
-        <a:font script="Tibt" typeface="Microsoft Himalaya"/>
-        <a:font script="Thaa" typeface="MV Boli"/>
-        <a:font script="Deva" typeface="Mangal"/>
-        <a:font script="Telu" typeface="Gautami"/>
-        <a:font script="Taml" typeface="Latha"/>
-        <a:font script="Syrc" typeface="Estrangelo Edessa"/>
-        <a:font script="Orya" typeface="Kalinga"/>
-        <a:font script="Mlym" typeface="Kartika"/>
-        <a:font script="Laoo" typeface="DokChampa"/>
-        <a:font script="Sinh" typeface="Iskoola Pota"/>
-        <a:font script="Mong" typeface="Mongolian Baiti"/>
-        <a:font script="Viet" typeface="Times New Roman"/>
-        <a:font script="Uigh" typeface="Microsoft Uighur"/>
-      </a:majorFont>
-      <a:minorFont>
-        <a:latin typeface="Calibri"/>
-        <a:ea typeface=""/>
-        <a:cs typeface=""/>
-        <a:font script="Jpan" typeface="ＭＳ Ｐゴシック"/>
-        <a:font script="Hang" typeface="맑은 고딕"/>
-        <a:font script="Hans" typeface="宋体"/>
-        <a:font script="Hant" typeface="新細明體"/>
-        <a:font script="Arab" typeface="Arial"/>
-        <a:font script="Hebr" typeface="Arial"/>
-        <a:font script="Thai" typeface="Cordia New"/>
-        <a:font script="Ethi" typeface="Nyala"/>
-        <a:font script="Beng" typeface="Vrinda"/>
-        <a:font script="Gujr" typeface="Shruti"/>
-        <a:font script="Khmr" typeface="DaunPenh"/>
-        <a:font script="Knda" typeface="Tunga"/>
-        <a:font script="Guru" typeface="Raavi"/>
-        <a:font script="Cans" typeface="Euphemia"/>
-        <a:font script="Cher" typeface="Plantagenet Cherokee"/>
-        <a:font script="Yiii" typeface="Microsoft Yi Baiti"/>
-        <a:font script="Tibt" typeface="Microsoft Himalaya"/>
-        <a:font script="Thaa" typeface="MV Boli"/>
-        <a:font script="Deva" typeface="Mangal"/>
-        <a:font script="Telu" typeface="Gautami"/>
-        <a:font script="Taml" typeface="Latha"/>
-        <a:font script="Syrc" typeface="Estrangelo Edessa"/>
-        <a:font script="Orya" typeface="Kalinga"/>
-        <a:font script="Mlym" typeface="Kartika"/>
-        <a:font script="Laoo" typeface="DokChampa"/>
-        <a:font script="Sinh" typeface="Iskoola Pota"/>
-        <a:font script="Mong" typeface="Mongolian Baiti"/>
-        <a:font script="Viet" typeface="Arial"/>
-        <a:font script="Uigh" typeface="Microsoft Uighur"/>
-      </a:minorFont>
-    </a:fontScheme>
-    <a:fmtScheme name="Office">
-      <a:fillStyleLst>
-        <a:solidFill>
-          <a:schemeClr val="phClr"/>
-        </a:solidFill>
-        <a:gradFill rotWithShape="1">
-          <a:gsLst>
-            <a:gs pos="0">
-              <a:schemeClr val="phClr">
-                <a:tint val="50000"/>
-                <a:satMod val="300000"/>
-              </a:schemeClr>
-            </a:gs>
-            <a:gs pos="35000">
-              <a:schemeClr val="phClr">
-                <a:tint val="37000"/>
-                <a:satMod val="300000"/>
-              </a:schemeClr>
-            </a:gs>
-            <a:gs pos="100000">
-              <a:schemeClr val="phClr">
-                <a:tint val="15000"/>
-                <a:satMod val="350000"/>
-              </a:schemeClr>
-            </a:gs>
-          </a:gsLst>
-          <a:lin ang="16200000" scaled="1"/>
-        </a:gradFill>
-        <a:gradFill rotWithShape="1">
-          <a:gsLst>
-            <a:gs pos="0">
-              <a:schemeClr val="phClr">
-                <a:shade val="51000"/>
-                <a:satMod val="130000"/>
-              </a:schemeClr>
-            </a:gs>
-            <a:gs pos="80000">
-              <a:schemeClr val="phClr">
-                <a:shade val="93000"/>
-                <a:satMod val="130000"/>
-              </a:schemeClr>
-            </a:gs>
-            <a:gs pos="100000">
-              <a:schemeClr val="phClr">
-                <a:shade val="94000"/>
-                <a:satMod val="135000"/>
-              </a:schemeClr>
-            </a:gs>
-          </a:gsLst>
-          <a:lin ang="16200000" scaled="0"/>
-        </a:gradFill>
-      </a:fillStyleLst>
-      <a:lnStyleLst>
-        <a:ln w="9525" cap="flat" cmpd="sng" algn="ctr">
-          <a:solidFill>
-            <a:schemeClr val="phClr">
-              <a:shade val="95000"/>
-              <a:satMod val="105000"/>
-            </a:schemeClr>
-          </a:solidFill>
-          <a:prstDash val="solid"/>
-        </a:ln>
-        <a:ln w="25400" cap="flat" cmpd="sng" algn="ctr">
-          <a:solidFill>
-            <a:schemeClr val="phClr"/>
-          </a:solidFill>
-          <a:prstDash val="solid"/>
-        </a:ln>
-        <a:ln w="38100" cap="flat" cmpd="sng" algn="ctr">
-          <a:solidFill>
-            <a:schemeClr val="phClr"/>
-          </a:solidFill>
-          <a:prstDash val="solid"/>
-        </a:ln>
-      </a:lnStyleLst>
-      <a:effectStyleLst>
-        <a:effectStyle>
-          <a:effectLst>
-            <a:outerShdw blurRad="40000" dist="20000" dir="5400000" rotWithShape="0">
-              <a:srgbClr val="000000">
-                <a:alpha val="38000"/>
-              </a:srgbClr>
-            </a:outerShdw>
-          </a:effectLst>
-        </a:effectStyle>
-        <a:effectStyle>
-          <a:effectLst>
-            <a:outerShdw blurRad="40000" dist="23000" dir="5400000" rotWithShape="0">
-              <a:srgbClr val="000000">
-                <a:alpha val="35000"/>
-              </a:srgbClr>
-            </a:outerShdw>
-          </a:effectLst>
-        </a:effectStyle>
-        <a:effectStyle>
-          <a:effectLst>
-            <a:outerShdw blurRad="40000" dist="23000" dir="5400000" rotWithShape="0">
-              <a:srgbClr val="000000">
-                <a:alpha val="35000"/>
-              </a:srgbClr>
-            </a:outerShdw>
-          </a:effectLst>
-          <a:scene3d>
-            <a:camera prst="orthographicFront">
-              <a:rot lat="0" lon="0" rev="0"/>
-            </a:camera>
-            <a:lightRig rig="threePt" dir="t">
-              <a:rot lat="0" lon="0" rev="1200000"/>
-            </a:lightRig>
-          </a:scene3d>
-          <a:sp3d>
-            <a:bevelT w="63500" h="25400"/>
-          </a:sp3d>
-        </a:effectStyle>
-      </a:effectStyleLst>
-      <a:bgFillStyleLst>
-        <a:solidFill>
-          <a:schemeClr val="phClr"/>
-        </a:solidFill>
-        <a:gradFill rotWithShape="1">
-          <a:gsLst>
-            <a:gs pos="0">
-              <a:schemeClr val="phClr">
-                <a:tint val="40000"/>
-                <a:satMod val="350000"/>
-              </a:schemeClr>
-            </a:gs>
-            <a:gs pos="40000">
-              <a:schemeClr val="phClr">
-                <a:tint val="45000"/>
-                <a:shade val="99000"/>
-                <a:satMod val="350000"/>
-              </a:schemeClr>
-            </a:gs>
-            <a:gs pos="100000">
-              <a:schemeClr val="phClr">
-                <a:shade val="20000"/>
-                <a:satMod val="255000"/>
-              </a:schemeClr>
-            </a:gs>
-          </a:gsLst>
-          <a:path path="circle">
-            <a:fillToRect l="50000" t="-80000" r="50000" b="180000"/>
-          </a:path>
-        </a:gradFill>
-        <a:gradFill rotWithShape="1">
-          <a:gsLst>
-            <a:gs pos="0">
-              <a:schemeClr val="phClr">
-                <a:tint val="80000"/>
-                <a:satMod val="300000"/>
-              </a:schemeClr>
-            </a:gs>
-            <a:gs pos="100000">
-              <a:schemeClr val="phClr">
-                <a:shade val="30000"/>
-                <a:satMod val="200000"/>
-              </a:schemeClr>
-            </a:gs>
-          </a:gsLst>
-          <a:path path="circle">
-            <a:fillToRect l="50000" t="50000" r="50000" b="50000"/>
-          </a:path>
-        </a:gradFill>
-      </a:bgFillStyleLst>
-    </a:fmtScheme>
-  </a:themeElements>
-  <a:objectDefaults/>
-  <a:extraClrSchemeLst/>
-</a:theme>
 </file>